--- a/R_project/team/r 그래프.pptx
+++ b/R_project/team/r 그래프.pptx
@@ -9,22 +9,30 @@
     <p:sldId id="256" r:id="rId3"/>
     <p:sldId id="258" r:id="rId4"/>
     <p:sldId id="260" r:id="rId5"/>
-    <p:sldId id="262" r:id="rId6"/>
-    <p:sldId id="263" r:id="rId7"/>
-    <p:sldId id="264" r:id="rId8"/>
-    <p:sldId id="265" r:id="rId9"/>
-    <p:sldId id="266" r:id="rId10"/>
-    <p:sldId id="267" r:id="rId11"/>
-    <p:sldId id="268" r:id="rId12"/>
-    <p:sldId id="269" r:id="rId13"/>
-    <p:sldId id="270" r:id="rId14"/>
-    <p:sldId id="271" r:id="rId15"/>
-    <p:sldId id="272" r:id="rId16"/>
-    <p:sldId id="273" r:id="rId17"/>
-    <p:sldId id="274" r:id="rId18"/>
-    <p:sldId id="275" r:id="rId19"/>
-    <p:sldId id="276" r:id="rId20"/>
-    <p:sldId id="277" r:id="rId21"/>
+    <p:sldId id="285" r:id="rId6"/>
+    <p:sldId id="262" r:id="rId7"/>
+    <p:sldId id="263" r:id="rId8"/>
+    <p:sldId id="264" r:id="rId9"/>
+    <p:sldId id="265" r:id="rId10"/>
+    <p:sldId id="266" r:id="rId11"/>
+    <p:sldId id="267" r:id="rId12"/>
+    <p:sldId id="268" r:id="rId13"/>
+    <p:sldId id="269" r:id="rId14"/>
+    <p:sldId id="270" r:id="rId15"/>
+    <p:sldId id="271" r:id="rId16"/>
+    <p:sldId id="272" r:id="rId17"/>
+    <p:sldId id="273" r:id="rId18"/>
+    <p:sldId id="274" r:id="rId19"/>
+    <p:sldId id="275" r:id="rId20"/>
+    <p:sldId id="276" r:id="rId21"/>
+    <p:sldId id="277" r:id="rId22"/>
+    <p:sldId id="278" r:id="rId23"/>
+    <p:sldId id="279" r:id="rId24"/>
+    <p:sldId id="280" r:id="rId25"/>
+    <p:sldId id="281" r:id="rId26"/>
+    <p:sldId id="282" r:id="rId27"/>
+    <p:sldId id="284" r:id="rId28"/>
+    <p:sldId id="283" r:id="rId29"/>
   </p:sldIdLst>
   <p:sldSz cx="12192000" cy="6858000"/>
   <p:notesSz cx="6858000" cy="9144000"/>
@@ -3542,80 +3550,57 @@
           <a:chExt cx="0" cy="0"/>
         </a:xfrm>
       </p:grpSpPr>
+      <p:pic>
+        <p:nvPicPr>
+          <p:cNvPr id="5" name="내용 개체 틀 4">
+            <a:extLst>
+              <a:ext uri="{FF2B5EF4-FFF2-40B4-BE49-F238E27FC236}">
+                <a16:creationId xmlns:a16="http://schemas.microsoft.com/office/drawing/2014/main" id="{6B651298-979E-4569-A26F-5D88F92A0197}"/>
+              </a:ext>
+            </a:extLst>
+          </p:cNvPr>
+          <p:cNvPicPr>
+            <a:picLocks noGrp="1" noChangeAspect="1"/>
+          </p:cNvPicPr>
+          <p:nvPr>
+            <p:ph idx="1"/>
+          </p:nvPr>
+        </p:nvPicPr>
+        <p:blipFill>
+          <a:blip r:embed="rId2">
+            <a:extLst>
+              <a:ext uri="{28A0092B-C50C-407E-A947-70E740481C1C}">
+                <a14:useLocalDpi xmlns:a14="http://schemas.microsoft.com/office/drawing/2010/main" val="0"/>
+              </a:ext>
+            </a:extLst>
+          </a:blip>
+          <a:stretch>
+            <a:fillRect/>
+          </a:stretch>
+        </p:blipFill>
+        <p:spPr>
+          <a:xfrm>
+            <a:off x="0" y="0"/>
+            <a:ext cx="8223570" cy="5106572"/>
+          </a:xfrm>
+        </p:spPr>
+      </p:pic>
       <p:sp>
         <p:nvSpPr>
-          <p:cNvPr id="2" name="제목 1">
-            <a:extLst>
-              <a:ext uri="{FF2B5EF4-FFF2-40B4-BE49-F238E27FC236}">
-                <a16:creationId xmlns:a16="http://schemas.microsoft.com/office/drawing/2014/main" id="{23545972-F8C3-40CF-B516-A559C7AC9F50}"/>
-              </a:ext>
-            </a:extLst>
-          </p:cNvPr>
-          <p:cNvSpPr>
-            <a:spLocks noGrp="1"/>
-          </p:cNvSpPr>
-          <p:nvPr>
-            <p:ph type="title"/>
-          </p:nvPr>
+          <p:cNvPr id="6" name="TextBox 5">
+            <a:extLst>
+              <a:ext uri="{FF2B5EF4-FFF2-40B4-BE49-F238E27FC236}">
+                <a16:creationId xmlns:a16="http://schemas.microsoft.com/office/drawing/2014/main" id="{EC1E469E-9F0F-4C2C-AD33-97F83BA26775}"/>
+              </a:ext>
+            </a:extLst>
+          </p:cNvPr>
+          <p:cNvSpPr txBox="1"/>
+          <p:nvPr/>
         </p:nvSpPr>
-        <p:spPr/>
-        <p:txBody>
-          <a:bodyPr>
-            <a:normAutofit/>
-          </a:bodyPr>
-          <a:lstStyle/>
-          <a:p>
-            <a:r>
-              <a:rPr lang="en-US" altLang="ko-KR" sz="3600" dirty="0"/>
-              <a:t>3. </a:t>
-            </a:r>
-            <a:r>
-              <a:rPr lang="ko-KR" altLang="en-US" sz="3600" dirty="0"/>
-              <a:t>검색지역</a:t>
-            </a:r>
-            <a:r>
-              <a:rPr lang="en-US" altLang="ko-KR" sz="3600" dirty="0"/>
-              <a:t>, </a:t>
-            </a:r>
-            <a:r>
-              <a:rPr lang="ko-KR" altLang="en-US" sz="3600" dirty="0"/>
-              <a:t>행선지</a:t>
-            </a:r>
-            <a:r>
-              <a:rPr lang="en-US" altLang="ko-KR" sz="3600" dirty="0"/>
-              <a:t> – </a:t>
-            </a:r>
-            <a:r>
-              <a:rPr lang="ko-KR" altLang="en-US" sz="3600" dirty="0"/>
-              <a:t>가려는 곳</a:t>
-            </a:r>
-            <a:r>
-              <a:rPr lang="en-US" altLang="ko-KR" sz="3600" dirty="0"/>
-              <a:t>, </a:t>
-            </a:r>
-            <a:r>
-              <a:rPr lang="ko-KR" altLang="en-US" sz="3600" dirty="0"/>
-              <a:t>가는 곳 알기</a:t>
-            </a:r>
-          </a:p>
-        </p:txBody>
-      </p:sp>
-      <p:sp>
-        <p:nvSpPr>
-          <p:cNvPr id="4" name="TextBox 3">
-            <a:extLst>
-              <a:ext uri="{FF2B5EF4-FFF2-40B4-BE49-F238E27FC236}">
-                <a16:creationId xmlns:a16="http://schemas.microsoft.com/office/drawing/2014/main" id="{4739B268-88C7-4F56-B4E7-CC53F932B7AE}"/>
-              </a:ext>
-            </a:extLst>
-          </p:cNvPr>
-          <p:cNvSpPr txBox="1"/>
-          <p:nvPr/>
-        </p:nvSpPr>
-        <p:spPr>
-          <a:xfrm>
-            <a:off x="1140177" y="1690688"/>
-            <a:ext cx="5444119" cy="1754326"/>
+        <p:spPr>
+          <a:xfrm>
+            <a:off x="6865089" y="317174"/>
+            <a:ext cx="5408853" cy="738664"/>
           </a:xfrm>
           <a:prstGeom prst="rect">
             <a:avLst/>
@@ -3629,130 +3614,75 @@
           <a:lstStyle/>
           <a:p>
             <a:r>
-              <a:rPr lang="en-US" altLang="ko-KR" dirty="0"/>
+              <a:rPr lang="en-US" altLang="ko-KR" sz="1400" dirty="0"/>
               <a:t>*</a:t>
             </a:r>
             <a:r>
-              <a:rPr lang="en-US" altLang="ko-KR" dirty="0" err="1"/>
-              <a:t>Tmap</a:t>
-            </a:r>
-            <a:r>
-              <a:rPr lang="ko-KR" altLang="en-US" dirty="0"/>
-              <a:t> </a:t>
-            </a:r>
-            <a:r>
-              <a:rPr lang="ko-KR" altLang="en-US" dirty="0" err="1"/>
-              <a:t>검색지</a:t>
-            </a:r>
-            <a:r>
-              <a:rPr lang="ko-KR" altLang="en-US" dirty="0"/>
-              <a:t> 랭크</a:t>
-            </a:r>
-            <a:r>
-              <a:rPr lang="en-US" altLang="ko-KR" dirty="0"/>
-              <a:t>TOP30</a:t>
-            </a:r>
-          </a:p>
-          <a:p>
-            <a:r>
-              <a:rPr lang="en-US" altLang="ko-KR" dirty="0"/>
-              <a:t>	</a:t>
-            </a:r>
-            <a:r>
-              <a:rPr lang="ko-KR" altLang="en-US" dirty="0"/>
-              <a:t>랭킹</a:t>
-            </a:r>
-            <a:r>
-              <a:rPr lang="en-US" altLang="ko-KR" dirty="0"/>
-              <a:t>1~30</a:t>
-            </a:r>
-            <a:r>
-              <a:rPr lang="ko-KR" altLang="en-US" dirty="0"/>
-              <a:t>을 </a:t>
-            </a:r>
-            <a:r>
-              <a:rPr lang="en-US" altLang="ko-KR" dirty="0"/>
-              <a:t>30</a:t>
-            </a:r>
-            <a:r>
-              <a:rPr lang="ko-KR" altLang="en-US" dirty="0"/>
-              <a:t>점</a:t>
-            </a:r>
-            <a:r>
-              <a:rPr lang="en-US" altLang="ko-KR" dirty="0"/>
-              <a:t>~1</a:t>
-            </a:r>
-            <a:r>
-              <a:rPr lang="ko-KR" altLang="en-US" dirty="0"/>
-              <a:t>점으로 가중치를 줌</a:t>
-            </a:r>
-            <a:endParaRPr lang="en-US" altLang="ko-KR" dirty="0"/>
-          </a:p>
-          <a:p>
-            <a:endParaRPr lang="en-US" altLang="ko-KR" dirty="0"/>
-          </a:p>
-          <a:p>
-            <a:r>
-              <a:rPr lang="en-US" altLang="ko-KR" dirty="0"/>
-              <a:t>- 1,2</a:t>
-            </a:r>
-            <a:r>
-              <a:rPr lang="ko-KR" altLang="en-US" dirty="0"/>
-              <a:t>월 </a:t>
-            </a:r>
-            <a:r>
-              <a:rPr lang="en-US" altLang="ko-KR" dirty="0"/>
-              <a:t>: </a:t>
-            </a:r>
-            <a:r>
-              <a:rPr lang="ko-KR" altLang="en-US" dirty="0"/>
-              <a:t>서귀포시 서쪽 일대에 대한 검색이 </a:t>
-            </a:r>
-            <a:r>
-              <a:rPr lang="ko-KR" altLang="en-US" dirty="0" err="1"/>
-              <a:t>많아짐</a:t>
-            </a:r>
-            <a:r>
-              <a:rPr lang="en-US" altLang="ko-KR" dirty="0"/>
-              <a:t>.</a:t>
-            </a:r>
-          </a:p>
-          <a:p>
-            <a:endParaRPr lang="en-US" altLang="ko-KR" dirty="0"/>
-          </a:p>
-          <a:p>
-            <a:r>
-              <a:rPr lang="en-US" altLang="ko-KR" dirty="0"/>
-              <a:t>- 7,8</a:t>
-            </a:r>
-            <a:r>
-              <a:rPr lang="ko-KR" altLang="en-US" dirty="0"/>
-              <a:t>월 </a:t>
-            </a:r>
-            <a:r>
-              <a:rPr lang="en-US" altLang="ko-KR" dirty="0"/>
-              <a:t>: </a:t>
-            </a:r>
-            <a:r>
-              <a:rPr lang="ko-KR" altLang="en-US" dirty="0"/>
-              <a:t>제주시 동쪽 일대에 대한 검색이 </a:t>
-            </a:r>
-            <a:r>
-              <a:rPr lang="ko-KR" altLang="en-US" dirty="0" err="1"/>
-              <a:t>많아짐</a:t>
-            </a:r>
-            <a:r>
-              <a:rPr lang="en-US" altLang="ko-KR" dirty="0"/>
-              <a:t>.</a:t>
-            </a:r>
-            <a:endParaRPr lang="ko-KR" altLang="en-US" dirty="0"/>
+              <a:rPr lang="ko-KR" altLang="en-US" sz="1400" dirty="0"/>
+              <a:t>여행형태별 한국 여행 목적</a:t>
+            </a:r>
+            <a:endParaRPr lang="en-US" altLang="ko-KR" sz="1400" dirty="0"/>
+          </a:p>
+          <a:p>
+            <a:r>
+              <a:rPr lang="en-US" altLang="ko-KR" sz="1400" dirty="0"/>
+              <a:t>	- </a:t>
+            </a:r>
+            <a:r>
+              <a:rPr lang="ko-KR" altLang="en-US" sz="1400" dirty="0" err="1"/>
+              <a:t>직장인센티브여행</a:t>
+            </a:r>
+            <a:r>
+              <a:rPr lang="ko-KR" altLang="en-US" sz="1400" dirty="0"/>
+              <a:t> 비율이 높은 </a:t>
+            </a:r>
+            <a:r>
+              <a:rPr lang="en-US" altLang="ko-KR" sz="1400" dirty="0"/>
+              <a:t>‘</a:t>
+            </a:r>
+            <a:r>
+              <a:rPr lang="ko-KR" altLang="en-US" sz="1400" dirty="0" err="1"/>
+              <a:t>완전패키지여행</a:t>
+            </a:r>
+            <a:r>
+              <a:rPr lang="ko-KR" altLang="en-US" sz="1400" dirty="0"/>
+              <a:t>‘</a:t>
+            </a:r>
+            <a:endParaRPr lang="en-US" altLang="ko-KR" sz="1400" dirty="0"/>
+          </a:p>
+          <a:p>
+            <a:r>
+              <a:rPr lang="en-US" altLang="ko-KR" sz="1400" dirty="0"/>
+              <a:t>	- </a:t>
+            </a:r>
+            <a:r>
+              <a:rPr lang="ko-KR" altLang="en-US" sz="1400" dirty="0"/>
+              <a:t>쇼핑 비율이 높은 </a:t>
+            </a:r>
+            <a:r>
+              <a:rPr lang="en-US" altLang="ko-KR" sz="1400" dirty="0"/>
+              <a:t>‘</a:t>
+            </a:r>
+            <a:r>
+              <a:rPr lang="ko-KR" altLang="en-US" sz="1400" dirty="0"/>
+              <a:t>외국인의 개별여행</a:t>
+            </a:r>
+            <a:r>
+              <a:rPr lang="en-US" altLang="ko-KR" sz="1400" dirty="0"/>
+              <a:t>, </a:t>
+            </a:r>
+            <a:r>
+              <a:rPr lang="ko-KR" altLang="en-US" sz="1400" dirty="0"/>
+              <a:t>부분패키지＇</a:t>
+            </a:r>
+            <a:endParaRPr lang="en-US" altLang="ko-KR" sz="1400" dirty="0"/>
           </a:p>
         </p:txBody>
       </p:sp>
     </p:spTree>
     <p:extLst>
       <p:ext uri="{BB962C8B-B14F-4D97-AF65-F5344CB8AC3E}">
-        <p14:creationId xmlns:p14="http://schemas.microsoft.com/office/powerpoint/2010/main" val="3741313640"/>
+        <p14:creationId xmlns:p14="http://schemas.microsoft.com/office/powerpoint/2010/main" val="556367047"/>
       </p:ext>
     </p:extLst>
   </p:cSld>
@@ -3779,84 +3709,70 @@
           <a:chExt cx="0" cy="0"/>
         </a:xfrm>
       </p:grpSpPr>
-      <p:pic>
-        <p:nvPicPr>
-          <p:cNvPr id="5" name="그림 4">
-            <a:extLst>
-              <a:ext uri="{FF2B5EF4-FFF2-40B4-BE49-F238E27FC236}">
-                <a16:creationId xmlns:a16="http://schemas.microsoft.com/office/drawing/2014/main" id="{F350F48E-9057-460F-9671-C90794DD53B7}"/>
-              </a:ext>
-            </a:extLst>
-          </p:cNvPr>
-          <p:cNvPicPr>
-            <a:picLocks noChangeAspect="1"/>
-          </p:cNvPicPr>
-          <p:nvPr/>
-        </p:nvPicPr>
-        <p:blipFill>
-          <a:blip r:embed="rId2">
-            <a:extLst>
-              <a:ext uri="{28A0092B-C50C-407E-A947-70E740481C1C}">
-                <a14:useLocalDpi xmlns:a14="http://schemas.microsoft.com/office/drawing/2010/main" val="0"/>
-              </a:ext>
-            </a:extLst>
-          </a:blip>
-          <a:stretch>
-            <a:fillRect/>
-          </a:stretch>
-        </p:blipFill>
-        <p:spPr>
-          <a:xfrm>
-            <a:off x="0" y="0"/>
-            <a:ext cx="7344800" cy="5792008"/>
-          </a:xfrm>
-          <a:prstGeom prst="rect">
-            <a:avLst/>
-          </a:prstGeom>
-        </p:spPr>
-      </p:pic>
-      <p:pic>
-        <p:nvPicPr>
-          <p:cNvPr id="7" name="그림 6">
-            <a:extLst>
-              <a:ext uri="{FF2B5EF4-FFF2-40B4-BE49-F238E27FC236}">
-                <a16:creationId xmlns:a16="http://schemas.microsoft.com/office/drawing/2014/main" id="{5DE67580-C444-4090-9367-27D6D097492F}"/>
-              </a:ext>
-            </a:extLst>
-          </p:cNvPr>
-          <p:cNvPicPr>
-            <a:picLocks noChangeAspect="1"/>
-          </p:cNvPicPr>
-          <p:nvPr/>
-        </p:nvPicPr>
-        <p:blipFill>
-          <a:blip r:embed="rId3">
-            <a:extLst>
-              <a:ext uri="{28A0092B-C50C-407E-A947-70E740481C1C}">
-                <a14:useLocalDpi xmlns:a14="http://schemas.microsoft.com/office/drawing/2010/main" val="0"/>
-              </a:ext>
-            </a:extLst>
-          </a:blip>
-          <a:stretch>
-            <a:fillRect/>
-          </a:stretch>
-        </p:blipFill>
-        <p:spPr>
-          <a:xfrm>
-            <a:off x="6096000" y="1065992"/>
-            <a:ext cx="7344800" cy="5792008"/>
-          </a:xfrm>
-          <a:prstGeom prst="rect">
-            <a:avLst/>
-          </a:prstGeom>
-        </p:spPr>
-      </p:pic>
       <p:sp>
         <p:nvSpPr>
-          <p:cNvPr id="8" name="TextBox 7">
-            <a:extLst>
-              <a:ext uri="{FF2B5EF4-FFF2-40B4-BE49-F238E27FC236}">
-                <a16:creationId xmlns:a16="http://schemas.microsoft.com/office/drawing/2014/main" id="{2317AE40-A833-4424-B32B-D33AF3943813}"/>
+          <p:cNvPr id="2" name="제목 1">
+            <a:extLst>
+              <a:ext uri="{FF2B5EF4-FFF2-40B4-BE49-F238E27FC236}">
+                <a16:creationId xmlns:a16="http://schemas.microsoft.com/office/drawing/2014/main" id="{23545972-F8C3-40CF-B516-A559C7AC9F50}"/>
+              </a:ext>
+            </a:extLst>
+          </p:cNvPr>
+          <p:cNvSpPr>
+            <a:spLocks noGrp="1"/>
+          </p:cNvSpPr>
+          <p:nvPr>
+            <p:ph type="title"/>
+          </p:nvPr>
+        </p:nvSpPr>
+        <p:spPr/>
+        <p:txBody>
+          <a:bodyPr>
+            <a:normAutofit/>
+          </a:bodyPr>
+          <a:lstStyle/>
+          <a:p>
+            <a:r>
+              <a:rPr lang="en-US" altLang="ko-KR" sz="3600" dirty="0"/>
+              <a:t>3. </a:t>
+            </a:r>
+            <a:r>
+              <a:rPr lang="ko-KR" altLang="en-US" sz="3600" dirty="0"/>
+              <a:t>검색지역</a:t>
+            </a:r>
+            <a:r>
+              <a:rPr lang="en-US" altLang="ko-KR" sz="3600" dirty="0"/>
+              <a:t>, </a:t>
+            </a:r>
+            <a:r>
+              <a:rPr lang="ko-KR" altLang="en-US" sz="3600" dirty="0"/>
+              <a:t>행선지</a:t>
+            </a:r>
+            <a:r>
+              <a:rPr lang="en-US" altLang="ko-KR" sz="3600" dirty="0"/>
+              <a:t> – </a:t>
+            </a:r>
+            <a:r>
+              <a:rPr lang="ko-KR" altLang="en-US" sz="3600" dirty="0"/>
+              <a:t>가려는 곳</a:t>
+            </a:r>
+            <a:r>
+              <a:rPr lang="en-US" altLang="ko-KR" sz="3600" dirty="0"/>
+              <a:t>, </a:t>
+            </a:r>
+            <a:r>
+              <a:rPr lang="ko-KR" altLang="en-US" sz="3600" dirty="0"/>
+              <a:t>가는 곳 알기</a:t>
+            </a:r>
+          </a:p>
+        </p:txBody>
+      </p:sp>
+      <p:sp>
+        <p:nvSpPr>
+          <p:cNvPr id="4" name="TextBox 3">
+            <a:extLst>
+              <a:ext uri="{FF2B5EF4-FFF2-40B4-BE49-F238E27FC236}">
+                <a16:creationId xmlns:a16="http://schemas.microsoft.com/office/drawing/2014/main" id="{4739B268-88C7-4F56-B4E7-CC53F932B7AE}"/>
               </a:ext>
             </a:extLst>
           </p:cNvPr>
@@ -3865,8 +3781,8 @@
         </p:nvSpPr>
         <p:spPr>
           <a:xfrm>
-            <a:off x="1535289" y="5792008"/>
-            <a:ext cx="542136" cy="369332"/>
+            <a:off x="1140177" y="1690688"/>
+            <a:ext cx="5756704" cy="1754326"/>
           </a:xfrm>
           <a:prstGeom prst="rect">
             <a:avLst/>
@@ -3881,50 +3797,105 @@
           <a:p>
             <a:r>
               <a:rPr lang="en-US" altLang="ko-KR" dirty="0"/>
-              <a:t>1</a:t>
+              <a:t>*</a:t>
+            </a:r>
+            <a:r>
+              <a:rPr lang="en-US" altLang="ko-KR" dirty="0" err="1"/>
+              <a:t>Tmap</a:t>
             </a:r>
             <a:r>
               <a:rPr lang="ko-KR" altLang="en-US" dirty="0"/>
-              <a:t>월</a:t>
-            </a:r>
-          </a:p>
-        </p:txBody>
-      </p:sp>
-      <p:sp>
-        <p:nvSpPr>
-          <p:cNvPr id="9" name="TextBox 8">
-            <a:extLst>
-              <a:ext uri="{FF2B5EF4-FFF2-40B4-BE49-F238E27FC236}">
-                <a16:creationId xmlns:a16="http://schemas.microsoft.com/office/drawing/2014/main" id="{9713E07C-C7CA-4CBC-8C77-697BDA1EDB9F}"/>
-              </a:ext>
-            </a:extLst>
-          </p:cNvPr>
-          <p:cNvSpPr txBox="1"/>
-          <p:nvPr/>
-        </p:nvSpPr>
-        <p:spPr>
-          <a:xfrm>
-            <a:off x="8805333" y="756356"/>
-            <a:ext cx="542136" cy="369332"/>
-          </a:xfrm>
-          <a:prstGeom prst="rect">
-            <a:avLst/>
-          </a:prstGeom>
-          <a:noFill/>
-        </p:spPr>
-        <p:txBody>
-          <a:bodyPr wrap="none" rtlCol="0">
-            <a:spAutoFit/>
-          </a:bodyPr>
-          <a:lstStyle/>
-          <a:p>
+              <a:t> </a:t>
+            </a:r>
+            <a:r>
+              <a:rPr lang="ko-KR" altLang="en-US" dirty="0" err="1"/>
+              <a:t>검색지</a:t>
+            </a:r>
+            <a:r>
+              <a:rPr lang="ko-KR" altLang="en-US" dirty="0"/>
+              <a:t> 랭크</a:t>
+            </a:r>
             <a:r>
               <a:rPr lang="en-US" altLang="ko-KR" dirty="0"/>
-              <a:t>2</a:t>
+              <a:t>TOP30</a:t>
+            </a:r>
+          </a:p>
+          <a:p>
+            <a:r>
+              <a:rPr lang="en-US" altLang="ko-KR" dirty="0"/>
+              <a:t>	</a:t>
             </a:r>
             <a:r>
               <a:rPr lang="ko-KR" altLang="en-US" dirty="0"/>
-              <a:t>월</a:t>
+              <a:t>랭킹</a:t>
+            </a:r>
+            <a:r>
+              <a:rPr lang="en-US" altLang="ko-KR" dirty="0"/>
+              <a:t>1~30</a:t>
+            </a:r>
+            <a:r>
+              <a:rPr lang="ko-KR" altLang="en-US" dirty="0"/>
+              <a:t>을 </a:t>
+            </a:r>
+            <a:r>
+              <a:rPr lang="en-US" altLang="ko-KR" dirty="0"/>
+              <a:t>30</a:t>
+            </a:r>
+            <a:r>
+              <a:rPr lang="ko-KR" altLang="en-US" dirty="0"/>
+              <a:t>점</a:t>
+            </a:r>
+            <a:r>
+              <a:rPr lang="en-US" altLang="ko-KR" dirty="0"/>
+              <a:t>~1</a:t>
+            </a:r>
+            <a:r>
+              <a:rPr lang="ko-KR" altLang="en-US" dirty="0"/>
+              <a:t>점으로 가중치를 줌</a:t>
+            </a:r>
+            <a:endParaRPr lang="en-US" altLang="ko-KR" dirty="0"/>
+          </a:p>
+          <a:p>
+            <a:endParaRPr lang="en-US" altLang="ko-KR" dirty="0"/>
+          </a:p>
+          <a:p>
+            <a:r>
+              <a:rPr lang="en-US" altLang="ko-KR" dirty="0"/>
+              <a:t>- 1,2</a:t>
+            </a:r>
+            <a:r>
+              <a:rPr lang="ko-KR" altLang="en-US" dirty="0"/>
+              <a:t>월 </a:t>
+            </a:r>
+            <a:r>
+              <a:rPr lang="en-US" altLang="ko-KR" dirty="0"/>
+              <a:t>: </a:t>
+            </a:r>
+            <a:r>
+              <a:rPr lang="ko-KR" altLang="en-US" dirty="0"/>
+              <a:t>서귀포시 서쪽 일대에 대한 검색이 소폭 상승</a:t>
+            </a:r>
+            <a:endParaRPr lang="en-US" altLang="ko-KR" dirty="0"/>
+          </a:p>
+          <a:p>
+            <a:endParaRPr lang="en-US" altLang="ko-KR" dirty="0"/>
+          </a:p>
+          <a:p>
+            <a:r>
+              <a:rPr lang="en-US" altLang="ko-KR" dirty="0"/>
+              <a:t>- 7,8</a:t>
+            </a:r>
+            <a:r>
+              <a:rPr lang="ko-KR" altLang="en-US" dirty="0"/>
+              <a:t>월 </a:t>
+            </a:r>
+            <a:r>
+              <a:rPr lang="en-US" altLang="ko-KR" dirty="0"/>
+              <a:t>: </a:t>
+            </a:r>
+            <a:r>
+              <a:rPr lang="ko-KR" altLang="en-US" dirty="0"/>
+              <a:t>제주시 동쪽 일대에 대한 검색이 소폭 상승</a:t>
             </a:r>
           </a:p>
         </p:txBody>
@@ -3932,7 +3903,7 @@
     </p:spTree>
     <p:extLst>
       <p:ext uri="{BB962C8B-B14F-4D97-AF65-F5344CB8AC3E}">
-        <p14:creationId xmlns:p14="http://schemas.microsoft.com/office/powerpoint/2010/main" val="187069465"/>
+        <p14:creationId xmlns:p14="http://schemas.microsoft.com/office/powerpoint/2010/main" val="3741313640"/>
       </p:ext>
     </p:extLst>
   </p:cSld>
@@ -3964,7 +3935,7 @@
           <p:cNvPr id="5" name="그림 4">
             <a:extLst>
               <a:ext uri="{FF2B5EF4-FFF2-40B4-BE49-F238E27FC236}">
-                <a16:creationId xmlns:a16="http://schemas.microsoft.com/office/drawing/2014/main" id="{7DCA6D16-95EB-41DD-BB45-6324C419DA99}"/>
+                <a16:creationId xmlns:a16="http://schemas.microsoft.com/office/drawing/2014/main" id="{F350F48E-9057-460F-9671-C90794DD53B7}"/>
               </a:ext>
             </a:extLst>
           </p:cNvPr>
@@ -4000,7 +3971,7 @@
           <p:cNvPr id="7" name="그림 6">
             <a:extLst>
               <a:ext uri="{FF2B5EF4-FFF2-40B4-BE49-F238E27FC236}">
-                <a16:creationId xmlns:a16="http://schemas.microsoft.com/office/drawing/2014/main" id="{11FA1923-30B6-475B-B71E-67AA82A3D92A}"/>
+                <a16:creationId xmlns:a16="http://schemas.microsoft.com/office/drawing/2014/main" id="{5DE67580-C444-4090-9367-27D6D097492F}"/>
               </a:ext>
             </a:extLst>
           </p:cNvPr>
@@ -4036,7 +4007,7 @@
           <p:cNvPr id="8" name="TextBox 7">
             <a:extLst>
               <a:ext uri="{FF2B5EF4-FFF2-40B4-BE49-F238E27FC236}">
-                <a16:creationId xmlns:a16="http://schemas.microsoft.com/office/drawing/2014/main" id="{336617EA-7643-48EF-AF84-DF07A2C59ACE}"/>
+                <a16:creationId xmlns:a16="http://schemas.microsoft.com/office/drawing/2014/main" id="{2317AE40-A833-4424-B32B-D33AF3943813}"/>
               </a:ext>
             </a:extLst>
           </p:cNvPr>
@@ -4061,7 +4032,7 @@
           <a:p>
             <a:r>
               <a:rPr lang="en-US" altLang="ko-KR" dirty="0"/>
-              <a:t>3</a:t>
+              <a:t>1</a:t>
             </a:r>
             <a:r>
               <a:rPr lang="ko-KR" altLang="en-US" dirty="0"/>
@@ -4075,7 +4046,7 @@
           <p:cNvPr id="9" name="TextBox 8">
             <a:extLst>
               <a:ext uri="{FF2B5EF4-FFF2-40B4-BE49-F238E27FC236}">
-                <a16:creationId xmlns:a16="http://schemas.microsoft.com/office/drawing/2014/main" id="{799E00FF-7F1F-45F2-9C22-9FEACA9CB4BD}"/>
+                <a16:creationId xmlns:a16="http://schemas.microsoft.com/office/drawing/2014/main" id="{9713E07C-C7CA-4CBC-8C77-697BDA1EDB9F}"/>
               </a:ext>
             </a:extLst>
           </p:cNvPr>
@@ -4100,7 +4071,7 @@
           <a:p>
             <a:r>
               <a:rPr lang="en-US" altLang="ko-KR" dirty="0"/>
-              <a:t>4</a:t>
+              <a:t>2</a:t>
             </a:r>
             <a:r>
               <a:rPr lang="ko-KR" altLang="en-US" dirty="0"/>
@@ -4112,7 +4083,7 @@
     </p:spTree>
     <p:extLst>
       <p:ext uri="{BB962C8B-B14F-4D97-AF65-F5344CB8AC3E}">
-        <p14:creationId xmlns:p14="http://schemas.microsoft.com/office/powerpoint/2010/main" val="2127295553"/>
+        <p14:creationId xmlns:p14="http://schemas.microsoft.com/office/powerpoint/2010/main" val="187069465"/>
       </p:ext>
     </p:extLst>
   </p:cSld>
@@ -4144,7 +4115,7 @@
           <p:cNvPr id="5" name="그림 4">
             <a:extLst>
               <a:ext uri="{FF2B5EF4-FFF2-40B4-BE49-F238E27FC236}">
-                <a16:creationId xmlns:a16="http://schemas.microsoft.com/office/drawing/2014/main" id="{AE6C7A19-D8AD-4F39-8BC1-B9AB4771BA56}"/>
+                <a16:creationId xmlns:a16="http://schemas.microsoft.com/office/drawing/2014/main" id="{7DCA6D16-95EB-41DD-BB45-6324C419DA99}"/>
               </a:ext>
             </a:extLst>
           </p:cNvPr>
@@ -4180,7 +4151,7 @@
           <p:cNvPr id="7" name="그림 6">
             <a:extLst>
               <a:ext uri="{FF2B5EF4-FFF2-40B4-BE49-F238E27FC236}">
-                <a16:creationId xmlns:a16="http://schemas.microsoft.com/office/drawing/2014/main" id="{B64190A7-598E-47BA-8091-A6F02F39D91C}"/>
+                <a16:creationId xmlns:a16="http://schemas.microsoft.com/office/drawing/2014/main" id="{11FA1923-30B6-475B-B71E-67AA82A3D92A}"/>
               </a:ext>
             </a:extLst>
           </p:cNvPr>
@@ -4203,7 +4174,7 @@
         </p:blipFill>
         <p:spPr>
           <a:xfrm>
-            <a:off x="6216667" y="1065992"/>
+            <a:off x="6096000" y="1065992"/>
             <a:ext cx="7344800" cy="5792008"/>
           </a:xfrm>
           <a:prstGeom prst="rect">
@@ -4216,7 +4187,7 @@
           <p:cNvPr id="8" name="TextBox 7">
             <a:extLst>
               <a:ext uri="{FF2B5EF4-FFF2-40B4-BE49-F238E27FC236}">
-                <a16:creationId xmlns:a16="http://schemas.microsoft.com/office/drawing/2014/main" id="{E6E242DD-9B23-43D7-A6EB-A6DAD5D002EC}"/>
+                <a16:creationId xmlns:a16="http://schemas.microsoft.com/office/drawing/2014/main" id="{336617EA-7643-48EF-AF84-DF07A2C59ACE}"/>
               </a:ext>
             </a:extLst>
           </p:cNvPr>
@@ -4241,7 +4212,7 @@
           <a:p>
             <a:r>
               <a:rPr lang="en-US" altLang="ko-KR" dirty="0"/>
-              <a:t>5</a:t>
+              <a:t>3</a:t>
             </a:r>
             <a:r>
               <a:rPr lang="ko-KR" altLang="en-US" dirty="0"/>
@@ -4255,7 +4226,7 @@
           <p:cNvPr id="9" name="TextBox 8">
             <a:extLst>
               <a:ext uri="{FF2B5EF4-FFF2-40B4-BE49-F238E27FC236}">
-                <a16:creationId xmlns:a16="http://schemas.microsoft.com/office/drawing/2014/main" id="{7F6271C5-AD1F-4240-914C-BE2B013BB800}"/>
+                <a16:creationId xmlns:a16="http://schemas.microsoft.com/office/drawing/2014/main" id="{799E00FF-7F1F-45F2-9C22-9FEACA9CB4BD}"/>
               </a:ext>
             </a:extLst>
           </p:cNvPr>
@@ -4280,7 +4251,7 @@
           <a:p>
             <a:r>
               <a:rPr lang="en-US" altLang="ko-KR" dirty="0"/>
-              <a:t>6</a:t>
+              <a:t>4</a:t>
             </a:r>
             <a:r>
               <a:rPr lang="ko-KR" altLang="en-US" dirty="0"/>
@@ -4292,7 +4263,7 @@
     </p:spTree>
     <p:extLst>
       <p:ext uri="{BB962C8B-B14F-4D97-AF65-F5344CB8AC3E}">
-        <p14:creationId xmlns:p14="http://schemas.microsoft.com/office/powerpoint/2010/main" val="1484017581"/>
+        <p14:creationId xmlns:p14="http://schemas.microsoft.com/office/powerpoint/2010/main" val="2127295553"/>
       </p:ext>
     </p:extLst>
   </p:cSld>
@@ -4324,7 +4295,7 @@
           <p:cNvPr id="5" name="그림 4">
             <a:extLst>
               <a:ext uri="{FF2B5EF4-FFF2-40B4-BE49-F238E27FC236}">
-                <a16:creationId xmlns:a16="http://schemas.microsoft.com/office/drawing/2014/main" id="{EFAABB49-A968-401E-B1D6-880E3FD21BB0}"/>
+                <a16:creationId xmlns:a16="http://schemas.microsoft.com/office/drawing/2014/main" id="{AE6C7A19-D8AD-4F39-8BC1-B9AB4771BA56}"/>
               </a:ext>
             </a:extLst>
           </p:cNvPr>
@@ -4360,7 +4331,7 @@
           <p:cNvPr id="7" name="그림 6">
             <a:extLst>
               <a:ext uri="{FF2B5EF4-FFF2-40B4-BE49-F238E27FC236}">
-                <a16:creationId xmlns:a16="http://schemas.microsoft.com/office/drawing/2014/main" id="{69546F97-7CEA-40D8-BB7E-F0D8D61DCDB3}"/>
+                <a16:creationId xmlns:a16="http://schemas.microsoft.com/office/drawing/2014/main" id="{B64190A7-598E-47BA-8091-A6F02F39D91C}"/>
               </a:ext>
             </a:extLst>
           </p:cNvPr>
@@ -4383,7 +4354,7 @@
         </p:blipFill>
         <p:spPr>
           <a:xfrm>
-            <a:off x="6096000" y="1065992"/>
+            <a:off x="6216667" y="1065992"/>
             <a:ext cx="7344800" cy="5792008"/>
           </a:xfrm>
           <a:prstGeom prst="rect">
@@ -4396,7 +4367,7 @@
           <p:cNvPr id="8" name="TextBox 7">
             <a:extLst>
               <a:ext uri="{FF2B5EF4-FFF2-40B4-BE49-F238E27FC236}">
-                <a16:creationId xmlns:a16="http://schemas.microsoft.com/office/drawing/2014/main" id="{9E9F0945-538E-4792-9889-85D246C2F651}"/>
+                <a16:creationId xmlns:a16="http://schemas.microsoft.com/office/drawing/2014/main" id="{E6E242DD-9B23-43D7-A6EB-A6DAD5D002EC}"/>
               </a:ext>
             </a:extLst>
           </p:cNvPr>
@@ -4421,7 +4392,7 @@
           <a:p>
             <a:r>
               <a:rPr lang="en-US" altLang="ko-KR" dirty="0"/>
-              <a:t>7</a:t>
+              <a:t>5</a:t>
             </a:r>
             <a:r>
               <a:rPr lang="ko-KR" altLang="en-US" dirty="0"/>
@@ -4435,7 +4406,7 @@
           <p:cNvPr id="9" name="TextBox 8">
             <a:extLst>
               <a:ext uri="{FF2B5EF4-FFF2-40B4-BE49-F238E27FC236}">
-                <a16:creationId xmlns:a16="http://schemas.microsoft.com/office/drawing/2014/main" id="{25EFABBB-65B7-4216-955C-019F16689A20}"/>
+                <a16:creationId xmlns:a16="http://schemas.microsoft.com/office/drawing/2014/main" id="{7F6271C5-AD1F-4240-914C-BE2B013BB800}"/>
               </a:ext>
             </a:extLst>
           </p:cNvPr>
@@ -4460,7 +4431,7 @@
           <a:p>
             <a:r>
               <a:rPr lang="en-US" altLang="ko-KR" dirty="0"/>
-              <a:t>8</a:t>
+              <a:t>6</a:t>
             </a:r>
             <a:r>
               <a:rPr lang="ko-KR" altLang="en-US" dirty="0"/>
@@ -4472,7 +4443,7 @@
     </p:spTree>
     <p:extLst>
       <p:ext uri="{BB962C8B-B14F-4D97-AF65-F5344CB8AC3E}">
-        <p14:creationId xmlns:p14="http://schemas.microsoft.com/office/powerpoint/2010/main" val="3283254328"/>
+        <p14:creationId xmlns:p14="http://schemas.microsoft.com/office/powerpoint/2010/main" val="1484017581"/>
       </p:ext>
     </p:extLst>
   </p:cSld>
@@ -4504,7 +4475,7 @@
           <p:cNvPr id="5" name="그림 4">
             <a:extLst>
               <a:ext uri="{FF2B5EF4-FFF2-40B4-BE49-F238E27FC236}">
-                <a16:creationId xmlns:a16="http://schemas.microsoft.com/office/drawing/2014/main" id="{2EE8779A-4400-40E1-AF09-98D5F99878A3}"/>
+                <a16:creationId xmlns:a16="http://schemas.microsoft.com/office/drawing/2014/main" id="{EFAABB49-A968-401E-B1D6-880E3FD21BB0}"/>
               </a:ext>
             </a:extLst>
           </p:cNvPr>
@@ -4540,7 +4511,7 @@
           <p:cNvPr id="7" name="그림 6">
             <a:extLst>
               <a:ext uri="{FF2B5EF4-FFF2-40B4-BE49-F238E27FC236}">
-                <a16:creationId xmlns:a16="http://schemas.microsoft.com/office/drawing/2014/main" id="{CA489F17-00CF-4023-ADAB-0AD98ED66524}"/>
+                <a16:creationId xmlns:a16="http://schemas.microsoft.com/office/drawing/2014/main" id="{69546F97-7CEA-40D8-BB7E-F0D8D61DCDB3}"/>
               </a:ext>
             </a:extLst>
           </p:cNvPr>
@@ -4563,7 +4534,7 @@
         </p:blipFill>
         <p:spPr>
           <a:xfrm>
-            <a:off x="6182800" y="1065992"/>
+            <a:off x="6096000" y="1065992"/>
             <a:ext cx="7344800" cy="5792008"/>
           </a:xfrm>
           <a:prstGeom prst="rect">
@@ -4576,7 +4547,7 @@
           <p:cNvPr id="8" name="TextBox 7">
             <a:extLst>
               <a:ext uri="{FF2B5EF4-FFF2-40B4-BE49-F238E27FC236}">
-                <a16:creationId xmlns:a16="http://schemas.microsoft.com/office/drawing/2014/main" id="{07939B80-6757-447E-9108-E24B525B17AF}"/>
+                <a16:creationId xmlns:a16="http://schemas.microsoft.com/office/drawing/2014/main" id="{9E9F0945-538E-4792-9889-85D246C2F651}"/>
               </a:ext>
             </a:extLst>
           </p:cNvPr>
@@ -4601,7 +4572,7 @@
           <a:p>
             <a:r>
               <a:rPr lang="en-US" altLang="ko-KR" dirty="0"/>
-              <a:t>9</a:t>
+              <a:t>7</a:t>
             </a:r>
             <a:r>
               <a:rPr lang="ko-KR" altLang="en-US" dirty="0"/>
@@ -4615,7 +4586,7 @@
           <p:cNvPr id="9" name="TextBox 8">
             <a:extLst>
               <a:ext uri="{FF2B5EF4-FFF2-40B4-BE49-F238E27FC236}">
-                <a16:creationId xmlns:a16="http://schemas.microsoft.com/office/drawing/2014/main" id="{DE224F7E-EBBE-43DC-8981-334EBDD771A1}"/>
+                <a16:creationId xmlns:a16="http://schemas.microsoft.com/office/drawing/2014/main" id="{25EFABBB-65B7-4216-955C-019F16689A20}"/>
               </a:ext>
             </a:extLst>
           </p:cNvPr>
@@ -4625,7 +4596,7 @@
         <p:spPr>
           <a:xfrm>
             <a:off x="8805333" y="756356"/>
-            <a:ext cx="668773" cy="369332"/>
+            <a:ext cx="542136" cy="369332"/>
           </a:xfrm>
           <a:prstGeom prst="rect">
             <a:avLst/>
@@ -4640,7 +4611,7 @@
           <a:p>
             <a:r>
               <a:rPr lang="en-US" altLang="ko-KR" dirty="0"/>
-              <a:t>10</a:t>
+              <a:t>8</a:t>
             </a:r>
             <a:r>
               <a:rPr lang="ko-KR" altLang="en-US" dirty="0"/>
@@ -4652,7 +4623,7 @@
     </p:spTree>
     <p:extLst>
       <p:ext uri="{BB962C8B-B14F-4D97-AF65-F5344CB8AC3E}">
-        <p14:creationId xmlns:p14="http://schemas.microsoft.com/office/powerpoint/2010/main" val="3419702200"/>
+        <p14:creationId xmlns:p14="http://schemas.microsoft.com/office/powerpoint/2010/main" val="3283254328"/>
       </p:ext>
     </p:extLst>
   </p:cSld>
@@ -4679,75 +4650,94 @@
           <a:chExt cx="0" cy="0"/>
         </a:xfrm>
       </p:grpSpPr>
+      <p:pic>
+        <p:nvPicPr>
+          <p:cNvPr id="5" name="그림 4">
+            <a:extLst>
+              <a:ext uri="{FF2B5EF4-FFF2-40B4-BE49-F238E27FC236}">
+                <a16:creationId xmlns:a16="http://schemas.microsoft.com/office/drawing/2014/main" id="{2EE8779A-4400-40E1-AF09-98D5F99878A3}"/>
+              </a:ext>
+            </a:extLst>
+          </p:cNvPr>
+          <p:cNvPicPr>
+            <a:picLocks noChangeAspect="1"/>
+          </p:cNvPicPr>
+          <p:nvPr/>
+        </p:nvPicPr>
+        <p:blipFill>
+          <a:blip r:embed="rId2">
+            <a:extLst>
+              <a:ext uri="{28A0092B-C50C-407E-A947-70E740481C1C}">
+                <a14:useLocalDpi xmlns:a14="http://schemas.microsoft.com/office/drawing/2010/main" val="0"/>
+              </a:ext>
+            </a:extLst>
+          </a:blip>
+          <a:stretch>
+            <a:fillRect/>
+          </a:stretch>
+        </p:blipFill>
+        <p:spPr>
+          <a:xfrm>
+            <a:off x="0" y="0"/>
+            <a:ext cx="7344800" cy="5792008"/>
+          </a:xfrm>
+          <a:prstGeom prst="rect">
+            <a:avLst/>
+          </a:prstGeom>
+        </p:spPr>
+      </p:pic>
+      <p:pic>
+        <p:nvPicPr>
+          <p:cNvPr id="7" name="그림 6">
+            <a:extLst>
+              <a:ext uri="{FF2B5EF4-FFF2-40B4-BE49-F238E27FC236}">
+                <a16:creationId xmlns:a16="http://schemas.microsoft.com/office/drawing/2014/main" id="{CA489F17-00CF-4023-ADAB-0AD98ED66524}"/>
+              </a:ext>
+            </a:extLst>
+          </p:cNvPr>
+          <p:cNvPicPr>
+            <a:picLocks noChangeAspect="1"/>
+          </p:cNvPicPr>
+          <p:nvPr/>
+        </p:nvPicPr>
+        <p:blipFill>
+          <a:blip r:embed="rId3">
+            <a:extLst>
+              <a:ext uri="{28A0092B-C50C-407E-A947-70E740481C1C}">
+                <a14:useLocalDpi xmlns:a14="http://schemas.microsoft.com/office/drawing/2010/main" val="0"/>
+              </a:ext>
+            </a:extLst>
+          </a:blip>
+          <a:stretch>
+            <a:fillRect/>
+          </a:stretch>
+        </p:blipFill>
+        <p:spPr>
+          <a:xfrm>
+            <a:off x="6182800" y="1065992"/>
+            <a:ext cx="7344800" cy="5792008"/>
+          </a:xfrm>
+          <a:prstGeom prst="rect">
+            <a:avLst/>
+          </a:prstGeom>
+        </p:spPr>
+      </p:pic>
       <p:sp>
         <p:nvSpPr>
-          <p:cNvPr id="2" name="제목 1">
-            <a:extLst>
-              <a:ext uri="{FF2B5EF4-FFF2-40B4-BE49-F238E27FC236}">
-                <a16:creationId xmlns:a16="http://schemas.microsoft.com/office/drawing/2014/main" id="{314F67E7-9A25-42BE-946D-AB33397AE9D8}"/>
-              </a:ext>
-            </a:extLst>
-          </p:cNvPr>
-          <p:cNvSpPr>
-            <a:spLocks noGrp="1"/>
-          </p:cNvSpPr>
-          <p:nvPr>
-            <p:ph type="title"/>
-          </p:nvPr>
+          <p:cNvPr id="8" name="TextBox 7">
+            <a:extLst>
+              <a:ext uri="{FF2B5EF4-FFF2-40B4-BE49-F238E27FC236}">
+                <a16:creationId xmlns:a16="http://schemas.microsoft.com/office/drawing/2014/main" id="{07939B80-6757-447E-9108-E24B525B17AF}"/>
+              </a:ext>
+            </a:extLst>
+          </p:cNvPr>
+          <p:cNvSpPr txBox="1"/>
+          <p:nvPr/>
         </p:nvSpPr>
-        <p:spPr/>
-        <p:txBody>
-          <a:bodyPr/>
-          <a:lstStyle/>
-          <a:p>
-            <a:r>
-              <a:rPr lang="en-US" altLang="ko-KR" dirty="0"/>
-              <a:t>4. </a:t>
-            </a:r>
-            <a:r>
-              <a:rPr lang="ko-KR" altLang="en-US" dirty="0"/>
-              <a:t>체류기간</a:t>
-            </a:r>
-            <a:r>
-              <a:rPr lang="en-US" altLang="ko-KR" dirty="0"/>
-              <a:t>[2018</a:t>
-            </a:r>
-            <a:r>
-              <a:rPr lang="ko-KR" altLang="en-US" dirty="0" err="1"/>
-              <a:t>년기준</a:t>
-            </a:r>
-            <a:r>
-              <a:rPr lang="en-US" altLang="ko-KR" dirty="0"/>
-              <a:t> </a:t>
-            </a:r>
-            <a:r>
-              <a:rPr lang="ko-KR" altLang="en-US" dirty="0"/>
-              <a:t>제주도 체류기간</a:t>
-            </a:r>
-            <a:r>
-              <a:rPr lang="en-US" altLang="ko-KR" dirty="0"/>
-              <a:t>]</a:t>
-            </a:r>
-            <a:endParaRPr lang="ko-KR" altLang="en-US" dirty="0"/>
-          </a:p>
-        </p:txBody>
-      </p:sp>
-      <p:sp>
-        <p:nvSpPr>
-          <p:cNvPr id="4" name="TextBox 3">
-            <a:extLst>
-              <a:ext uri="{FF2B5EF4-FFF2-40B4-BE49-F238E27FC236}">
-                <a16:creationId xmlns:a16="http://schemas.microsoft.com/office/drawing/2014/main" id="{3C4098F4-68FB-42FE-8618-30A48DCC64B5}"/>
-              </a:ext>
-            </a:extLst>
-          </p:cNvPr>
-          <p:cNvSpPr txBox="1"/>
-          <p:nvPr/>
-        </p:nvSpPr>
-        <p:spPr>
-          <a:xfrm>
-            <a:off x="967408" y="1908313"/>
-            <a:ext cx="5166799" cy="3139321"/>
+        <p:spPr>
+          <a:xfrm>
+            <a:off x="1535289" y="5792008"/>
+            <a:ext cx="542136" cy="369332"/>
           </a:xfrm>
           <a:prstGeom prst="rect">
             <a:avLst/>
@@ -4760,183 +4750,52 @@
           </a:bodyPr>
           <a:lstStyle/>
           <a:p>
-            <a:pPr marL="285750" indent="-285750">
-              <a:buFontTx/>
-              <a:buChar char="-"/>
-            </a:pPr>
+            <a:r>
+              <a:rPr lang="en-US" altLang="ko-KR" dirty="0"/>
+              <a:t>9</a:t>
+            </a:r>
             <a:r>
               <a:rPr lang="ko-KR" altLang="en-US" dirty="0"/>
-              <a:t>국적별</a:t>
-            </a:r>
-            <a:endParaRPr lang="en-US" altLang="ko-KR" dirty="0"/>
-          </a:p>
-          <a:p>
-            <a:pPr marL="742950" lvl="1" indent="-285750">
-              <a:buFontTx/>
-              <a:buChar char="-"/>
-            </a:pPr>
+              <a:t>월</a:t>
+            </a:r>
+          </a:p>
+        </p:txBody>
+      </p:sp>
+      <p:sp>
+        <p:nvSpPr>
+          <p:cNvPr id="9" name="TextBox 8">
+            <a:extLst>
+              <a:ext uri="{FF2B5EF4-FFF2-40B4-BE49-F238E27FC236}">
+                <a16:creationId xmlns:a16="http://schemas.microsoft.com/office/drawing/2014/main" id="{DE224F7E-EBBE-43DC-8981-334EBDD771A1}"/>
+              </a:ext>
+            </a:extLst>
+          </p:cNvPr>
+          <p:cNvSpPr txBox="1"/>
+          <p:nvPr/>
+        </p:nvSpPr>
+        <p:spPr>
+          <a:xfrm>
+            <a:off x="8805333" y="756356"/>
+            <a:ext cx="668773" cy="369332"/>
+          </a:xfrm>
+          <a:prstGeom prst="rect">
+            <a:avLst/>
+          </a:prstGeom>
+          <a:noFill/>
+        </p:spPr>
+        <p:txBody>
+          <a:bodyPr wrap="none" rtlCol="0">
+            <a:spAutoFit/>
+          </a:bodyPr>
+          <a:lstStyle/>
+          <a:p>
+            <a:r>
+              <a:rPr lang="en-US" altLang="ko-KR" dirty="0"/>
+              <a:t>10</a:t>
+            </a:r>
             <a:r>
               <a:rPr lang="ko-KR" altLang="en-US" dirty="0"/>
-              <a:t>한국</a:t>
-            </a:r>
-            <a:r>
-              <a:rPr lang="en-US" altLang="ko-KR" dirty="0"/>
-              <a:t>,</a:t>
-            </a:r>
-            <a:r>
-              <a:rPr lang="ko-KR" altLang="en-US" dirty="0"/>
-              <a:t>일본</a:t>
-            </a:r>
-            <a:r>
-              <a:rPr lang="en-US" altLang="ko-KR" dirty="0"/>
-              <a:t>,</a:t>
-            </a:r>
-            <a:r>
-              <a:rPr lang="ko-KR" altLang="en-US" dirty="0"/>
-              <a:t>중국</a:t>
-            </a:r>
-            <a:r>
-              <a:rPr lang="en-US" altLang="ko-KR" dirty="0"/>
-              <a:t>,</a:t>
-            </a:r>
-            <a:r>
-              <a:rPr lang="ko-KR" altLang="en-US" dirty="0" err="1"/>
-              <a:t>중화권</a:t>
-            </a:r>
-            <a:r>
-              <a:rPr lang="en-US" altLang="ko-KR" dirty="0"/>
-              <a:t>,</a:t>
-            </a:r>
-            <a:r>
-              <a:rPr lang="ko-KR" altLang="en-US" dirty="0"/>
-              <a:t>동남아</a:t>
-            </a:r>
-            <a:r>
-              <a:rPr lang="en-US" altLang="ko-KR" dirty="0"/>
-              <a:t>,</a:t>
-            </a:r>
-            <a:r>
-              <a:rPr lang="ko-KR" altLang="en-US" dirty="0" err="1"/>
-              <a:t>북미권</a:t>
-            </a:r>
-            <a:r>
-              <a:rPr lang="en-US" altLang="ko-KR" dirty="0"/>
-              <a:t>,</a:t>
-            </a:r>
-            <a:r>
-              <a:rPr lang="ko-KR" altLang="en-US" dirty="0"/>
-              <a:t>기타</a:t>
-            </a:r>
-            <a:endParaRPr lang="en-US" altLang="ko-KR" dirty="0"/>
-          </a:p>
-          <a:p>
-            <a:pPr marL="742950" lvl="1" indent="-285750">
-              <a:buFontTx/>
-              <a:buChar char="-"/>
-            </a:pPr>
-            <a:endParaRPr lang="en-US" altLang="ko-KR" dirty="0"/>
-          </a:p>
-          <a:p>
-            <a:pPr marL="285750" indent="-285750">
-              <a:buFontTx/>
-              <a:buChar char="-"/>
-            </a:pPr>
-            <a:r>
-              <a:rPr lang="ko-KR" altLang="en-US" dirty="0"/>
-              <a:t>성별</a:t>
-            </a:r>
-            <a:endParaRPr lang="en-US" altLang="ko-KR" dirty="0"/>
-          </a:p>
-          <a:p>
-            <a:pPr marL="742950" lvl="1" indent="-285750">
-              <a:buFontTx/>
-              <a:buChar char="-"/>
-            </a:pPr>
-            <a:r>
-              <a:rPr lang="ko-KR" altLang="en-US" dirty="0"/>
-              <a:t>내국인</a:t>
-            </a:r>
-            <a:r>
-              <a:rPr lang="en-US" altLang="ko-KR" dirty="0"/>
-              <a:t>,</a:t>
-            </a:r>
-            <a:r>
-              <a:rPr lang="ko-KR" altLang="en-US" dirty="0"/>
-              <a:t>외국인</a:t>
-            </a:r>
-            <a:endParaRPr lang="en-US" altLang="ko-KR" dirty="0"/>
-          </a:p>
-          <a:p>
-            <a:pPr marL="742950" lvl="1" indent="-285750">
-              <a:buFontTx/>
-              <a:buChar char="-"/>
-            </a:pPr>
-            <a:endParaRPr lang="en-US" altLang="ko-KR" dirty="0"/>
-          </a:p>
-          <a:p>
-            <a:pPr marL="285750" indent="-285750">
-              <a:buFontTx/>
-              <a:buChar char="-"/>
-            </a:pPr>
-            <a:r>
-              <a:rPr lang="ko-KR" altLang="en-US" dirty="0"/>
-              <a:t>연령별</a:t>
-            </a:r>
-            <a:endParaRPr lang="en-US" altLang="ko-KR" dirty="0"/>
-          </a:p>
-          <a:p>
-            <a:pPr marL="742950" lvl="1" indent="-285750">
-              <a:buFontTx/>
-              <a:buChar char="-"/>
-            </a:pPr>
-            <a:r>
-              <a:rPr lang="ko-KR" altLang="en-US" dirty="0"/>
-              <a:t>내국인</a:t>
-            </a:r>
-            <a:r>
-              <a:rPr lang="en-US" altLang="ko-KR" dirty="0"/>
-              <a:t>,</a:t>
-            </a:r>
-            <a:r>
-              <a:rPr lang="ko-KR" altLang="en-US" dirty="0"/>
-              <a:t>외국인</a:t>
-            </a:r>
-            <a:endParaRPr lang="en-US" altLang="ko-KR" dirty="0"/>
-          </a:p>
-          <a:p>
-            <a:pPr marL="742950" lvl="1" indent="-285750">
-              <a:buFontTx/>
-              <a:buChar char="-"/>
-            </a:pPr>
-            <a:endParaRPr lang="en-US" altLang="ko-KR" dirty="0"/>
-          </a:p>
-          <a:p>
-            <a:pPr marL="285750" indent="-285750">
-              <a:buFontTx/>
-              <a:buChar char="-"/>
-            </a:pPr>
-            <a:r>
-              <a:rPr lang="ko-KR" altLang="en-US" dirty="0"/>
-              <a:t>여행형태별</a:t>
-            </a:r>
-            <a:endParaRPr lang="en-US" altLang="ko-KR" dirty="0"/>
-          </a:p>
-          <a:p>
-            <a:pPr marL="742950" lvl="1" indent="-285750">
-              <a:buFontTx/>
-              <a:buChar char="-"/>
-            </a:pPr>
-            <a:r>
-              <a:rPr lang="ko-KR" altLang="en-US" dirty="0"/>
-              <a:t>내국인</a:t>
-            </a:r>
-            <a:r>
-              <a:rPr lang="en-US" altLang="ko-KR" dirty="0"/>
-              <a:t>,</a:t>
-            </a:r>
-            <a:r>
-              <a:rPr lang="ko-KR" altLang="en-US" dirty="0"/>
-              <a:t>외국인</a:t>
+              <a:t>월</a:t>
             </a:r>
           </a:p>
         </p:txBody>
@@ -4944,7 +4803,7 @@
     </p:spTree>
     <p:extLst>
       <p:ext uri="{BB962C8B-B14F-4D97-AF65-F5344CB8AC3E}">
-        <p14:creationId xmlns:p14="http://schemas.microsoft.com/office/powerpoint/2010/main" val="1524897323"/>
+        <p14:creationId xmlns:p14="http://schemas.microsoft.com/office/powerpoint/2010/main" val="3419702200"/>
       </p:ext>
     </p:extLst>
   </p:cSld>
@@ -4971,48 +4830,65 @@
           <a:chExt cx="0" cy="0"/>
         </a:xfrm>
       </p:grpSpPr>
-      <p:pic>
-        <p:nvPicPr>
-          <p:cNvPr id="5" name="그림 4">
-            <a:extLst>
-              <a:ext uri="{FF2B5EF4-FFF2-40B4-BE49-F238E27FC236}">
-                <a16:creationId xmlns:a16="http://schemas.microsoft.com/office/drawing/2014/main" id="{C52A3930-D7D3-4D51-B1C5-49798CB323F5}"/>
-              </a:ext>
-            </a:extLst>
-          </p:cNvPr>
-          <p:cNvPicPr>
-            <a:picLocks noChangeAspect="1"/>
-          </p:cNvPicPr>
-          <p:nvPr/>
-        </p:nvPicPr>
-        <p:blipFill>
-          <a:blip r:embed="rId2">
-            <a:extLst>
-              <a:ext uri="{28A0092B-C50C-407E-A947-70E740481C1C}">
-                <a14:useLocalDpi xmlns:a14="http://schemas.microsoft.com/office/drawing/2010/main" val="0"/>
-              </a:ext>
-            </a:extLst>
-          </a:blip>
-          <a:stretch>
-            <a:fillRect/>
-          </a:stretch>
-        </p:blipFill>
-        <p:spPr>
-          <a:xfrm>
-            <a:off x="0" y="0"/>
-            <a:ext cx="5772956" cy="5792008"/>
-          </a:xfrm>
-          <a:prstGeom prst="rect">
-            <a:avLst/>
-          </a:prstGeom>
-        </p:spPr>
-      </p:pic>
       <p:sp>
         <p:nvSpPr>
-          <p:cNvPr id="6" name="TextBox 5">
-            <a:extLst>
-              <a:ext uri="{FF2B5EF4-FFF2-40B4-BE49-F238E27FC236}">
-                <a16:creationId xmlns:a16="http://schemas.microsoft.com/office/drawing/2014/main" id="{0E466B2B-6A1F-44DF-B8D9-3ABE81436EFA}"/>
+          <p:cNvPr id="2" name="제목 1">
+            <a:extLst>
+              <a:ext uri="{FF2B5EF4-FFF2-40B4-BE49-F238E27FC236}">
+                <a16:creationId xmlns:a16="http://schemas.microsoft.com/office/drawing/2014/main" id="{314F67E7-9A25-42BE-946D-AB33397AE9D8}"/>
+              </a:ext>
+            </a:extLst>
+          </p:cNvPr>
+          <p:cNvSpPr>
+            <a:spLocks noGrp="1"/>
+          </p:cNvSpPr>
+          <p:nvPr>
+            <p:ph type="title"/>
+          </p:nvPr>
+        </p:nvSpPr>
+        <p:spPr/>
+        <p:txBody>
+          <a:bodyPr/>
+          <a:lstStyle/>
+          <a:p>
+            <a:r>
+              <a:rPr lang="en-US" altLang="ko-KR" dirty="0"/>
+              <a:t>4. </a:t>
+            </a:r>
+            <a:r>
+              <a:rPr lang="ko-KR" altLang="en-US" dirty="0"/>
+              <a:t>체류기간</a:t>
+            </a:r>
+            <a:r>
+              <a:rPr lang="en-US" altLang="ko-KR" dirty="0"/>
+              <a:t>[2018</a:t>
+            </a:r>
+            <a:r>
+              <a:rPr lang="ko-KR" altLang="en-US" dirty="0" err="1"/>
+              <a:t>년기준</a:t>
+            </a:r>
+            <a:r>
+              <a:rPr lang="en-US" altLang="ko-KR" dirty="0"/>
+              <a:t> </a:t>
+            </a:r>
+            <a:r>
+              <a:rPr lang="ko-KR" altLang="en-US" dirty="0"/>
+              <a:t>제주도 체류기간</a:t>
+            </a:r>
+            <a:r>
+              <a:rPr lang="en-US" altLang="ko-KR" dirty="0"/>
+              <a:t>]</a:t>
+            </a:r>
+            <a:endParaRPr lang="ko-KR" altLang="en-US" dirty="0"/>
+          </a:p>
+        </p:txBody>
+      </p:sp>
+      <p:sp>
+        <p:nvSpPr>
+          <p:cNvPr id="4" name="TextBox 3">
+            <a:extLst>
+              <a:ext uri="{FF2B5EF4-FFF2-40B4-BE49-F238E27FC236}">
+                <a16:creationId xmlns:a16="http://schemas.microsoft.com/office/drawing/2014/main" id="{3C4098F4-68FB-42FE-8618-30A48DCC64B5}"/>
               </a:ext>
             </a:extLst>
           </p:cNvPr>
@@ -5021,8 +4897,8 @@
         </p:nvSpPr>
         <p:spPr>
           <a:xfrm>
-            <a:off x="6400859" y="514121"/>
-            <a:ext cx="4729180" cy="738664"/>
+            <a:off x="967408" y="1908313"/>
+            <a:ext cx="5166799" cy="3139321"/>
           </a:xfrm>
           <a:prstGeom prst="rect">
             <a:avLst/>
@@ -5035,70 +4911,183 @@
           </a:bodyPr>
           <a:lstStyle/>
           <a:p>
-            <a:r>
-              <a:rPr lang="en-US" altLang="ko-KR" sz="1400" dirty="0"/>
-              <a:t>*</a:t>
-            </a:r>
-            <a:r>
-              <a:rPr lang="ko-KR" altLang="en-US" sz="1400" dirty="0"/>
-              <a:t>국적별 체류기간</a:t>
-            </a:r>
-            <a:endParaRPr lang="en-US" altLang="ko-KR" sz="1400" dirty="0"/>
-          </a:p>
-          <a:p>
-            <a:r>
-              <a:rPr lang="en-US" altLang="ko-KR" sz="1400" dirty="0"/>
-              <a:t>	- </a:t>
-            </a:r>
-            <a:r>
-              <a:rPr lang="ko-KR" altLang="en-US" sz="1400" dirty="0"/>
-              <a:t>체류기간이 상대적으로 긴 </a:t>
-            </a:r>
-            <a:r>
-              <a:rPr lang="en-US" altLang="ko-KR" sz="1400" dirty="0"/>
-              <a:t>‘</a:t>
-            </a:r>
-            <a:r>
-              <a:rPr lang="ko-KR" altLang="en-US" sz="1400" dirty="0" err="1"/>
+            <a:pPr marL="285750" indent="-285750">
+              <a:buFontTx/>
+              <a:buChar char="-"/>
+            </a:pPr>
+            <a:r>
+              <a:rPr lang="ko-KR" altLang="en-US" dirty="0"/>
+              <a:t>국적별</a:t>
+            </a:r>
+            <a:endParaRPr lang="en-US" altLang="ko-KR" dirty="0"/>
+          </a:p>
+          <a:p>
+            <a:pPr marL="742950" lvl="1" indent="-285750">
+              <a:buFontTx/>
+              <a:buChar char="-"/>
+            </a:pPr>
+            <a:r>
+              <a:rPr lang="ko-KR" altLang="en-US" dirty="0"/>
+              <a:t>한국</a:t>
+            </a:r>
+            <a:r>
+              <a:rPr lang="en-US" altLang="ko-KR" dirty="0"/>
+              <a:t>,</a:t>
+            </a:r>
+            <a:r>
+              <a:rPr lang="ko-KR" altLang="en-US" dirty="0"/>
+              <a:t>일본</a:t>
+            </a:r>
+            <a:r>
+              <a:rPr lang="en-US" altLang="ko-KR" dirty="0"/>
+              <a:t>,</a:t>
+            </a:r>
+            <a:r>
+              <a:rPr lang="ko-KR" altLang="en-US" dirty="0"/>
+              <a:t>중국</a:t>
+            </a:r>
+            <a:r>
+              <a:rPr lang="en-US" altLang="ko-KR" dirty="0"/>
+              <a:t>,</a:t>
+            </a:r>
+            <a:r>
+              <a:rPr lang="ko-KR" altLang="en-US" dirty="0" err="1"/>
+              <a:t>중화권</a:t>
+            </a:r>
+            <a:r>
+              <a:rPr lang="en-US" altLang="ko-KR" dirty="0"/>
+              <a:t>,</a:t>
+            </a:r>
+            <a:r>
+              <a:rPr lang="ko-KR" altLang="en-US" dirty="0"/>
+              <a:t>동남아</a:t>
+            </a:r>
+            <a:r>
+              <a:rPr lang="en-US" altLang="ko-KR" dirty="0"/>
+              <a:t>,</a:t>
+            </a:r>
+            <a:r>
+              <a:rPr lang="ko-KR" altLang="en-US" dirty="0" err="1"/>
               <a:t>북미권</a:t>
             </a:r>
             <a:r>
-              <a:rPr lang="en-US" altLang="ko-KR" sz="1400" dirty="0"/>
-              <a:t>’</a:t>
-            </a:r>
-          </a:p>
-          <a:p>
-            <a:r>
-              <a:rPr lang="en-US" altLang="ko-KR" sz="1400" dirty="0"/>
-              <a:t>	- 3</a:t>
-            </a:r>
-            <a:r>
-              <a:rPr lang="ko-KR" altLang="en-US" sz="1400" dirty="0"/>
-              <a:t>일체류가 상대적으로 많은 </a:t>
-            </a:r>
-            <a:r>
-              <a:rPr lang="en-US" altLang="ko-KR" sz="1400" dirty="0"/>
-              <a:t>‘</a:t>
-            </a:r>
-            <a:r>
-              <a:rPr lang="ko-KR" altLang="en-US" sz="1400" dirty="0" err="1"/>
-              <a:t>한국＇과</a:t>
-            </a:r>
-            <a:r>
-              <a:rPr lang="ko-KR" altLang="en-US" sz="1400" dirty="0"/>
-              <a:t> </a:t>
-            </a:r>
-            <a:r>
-              <a:rPr lang="en-US" altLang="ko-KR" sz="1400" dirty="0"/>
-              <a:t>‘</a:t>
-            </a:r>
-            <a:r>
-              <a:rPr lang="ko-KR" altLang="en-US" sz="1400" dirty="0"/>
-              <a:t>일본</a:t>
-            </a:r>
-            <a:r>
-              <a:rPr lang="en-US" altLang="ko-KR" sz="1400" dirty="0"/>
-              <a:t>’</a:t>
+              <a:rPr lang="en-US" altLang="ko-KR" dirty="0"/>
+              <a:t>,</a:t>
+            </a:r>
+            <a:r>
+              <a:rPr lang="ko-KR" altLang="en-US" dirty="0"/>
+              <a:t>기타</a:t>
+            </a:r>
+            <a:endParaRPr lang="en-US" altLang="ko-KR" dirty="0"/>
+          </a:p>
+          <a:p>
+            <a:pPr marL="742950" lvl="1" indent="-285750">
+              <a:buFontTx/>
+              <a:buChar char="-"/>
+            </a:pPr>
+            <a:endParaRPr lang="en-US" altLang="ko-KR" dirty="0"/>
+          </a:p>
+          <a:p>
+            <a:pPr marL="285750" indent="-285750">
+              <a:buFontTx/>
+              <a:buChar char="-"/>
+            </a:pPr>
+            <a:r>
+              <a:rPr lang="ko-KR" altLang="en-US" dirty="0"/>
+              <a:t>성별</a:t>
+            </a:r>
+            <a:endParaRPr lang="en-US" altLang="ko-KR" dirty="0"/>
+          </a:p>
+          <a:p>
+            <a:pPr marL="742950" lvl="1" indent="-285750">
+              <a:buFontTx/>
+              <a:buChar char="-"/>
+            </a:pPr>
+            <a:r>
+              <a:rPr lang="ko-KR" altLang="en-US" dirty="0"/>
+              <a:t>내국인</a:t>
+            </a:r>
+            <a:r>
+              <a:rPr lang="en-US" altLang="ko-KR" dirty="0"/>
+              <a:t>,</a:t>
+            </a:r>
+            <a:r>
+              <a:rPr lang="ko-KR" altLang="en-US" dirty="0"/>
+              <a:t>외국인</a:t>
+            </a:r>
+            <a:endParaRPr lang="en-US" altLang="ko-KR" dirty="0"/>
+          </a:p>
+          <a:p>
+            <a:pPr marL="742950" lvl="1" indent="-285750">
+              <a:buFontTx/>
+              <a:buChar char="-"/>
+            </a:pPr>
+            <a:endParaRPr lang="en-US" altLang="ko-KR" dirty="0"/>
+          </a:p>
+          <a:p>
+            <a:pPr marL="285750" indent="-285750">
+              <a:buFontTx/>
+              <a:buChar char="-"/>
+            </a:pPr>
+            <a:r>
+              <a:rPr lang="ko-KR" altLang="en-US" dirty="0"/>
+              <a:t>연령별</a:t>
+            </a:r>
+            <a:endParaRPr lang="en-US" altLang="ko-KR" dirty="0"/>
+          </a:p>
+          <a:p>
+            <a:pPr marL="742950" lvl="1" indent="-285750">
+              <a:buFontTx/>
+              <a:buChar char="-"/>
+            </a:pPr>
+            <a:r>
+              <a:rPr lang="ko-KR" altLang="en-US" dirty="0"/>
+              <a:t>내국인</a:t>
+            </a:r>
+            <a:r>
+              <a:rPr lang="en-US" altLang="ko-KR" dirty="0"/>
+              <a:t>,</a:t>
+            </a:r>
+            <a:r>
+              <a:rPr lang="ko-KR" altLang="en-US" dirty="0"/>
+              <a:t>외국인</a:t>
+            </a:r>
+            <a:endParaRPr lang="en-US" altLang="ko-KR" dirty="0"/>
+          </a:p>
+          <a:p>
+            <a:pPr marL="742950" lvl="1" indent="-285750">
+              <a:buFontTx/>
+              <a:buChar char="-"/>
+            </a:pPr>
+            <a:endParaRPr lang="en-US" altLang="ko-KR" dirty="0"/>
+          </a:p>
+          <a:p>
+            <a:pPr marL="285750" indent="-285750">
+              <a:buFontTx/>
+              <a:buChar char="-"/>
+            </a:pPr>
+            <a:r>
+              <a:rPr lang="ko-KR" altLang="en-US" dirty="0"/>
+              <a:t>여행형태별</a:t>
+            </a:r>
+            <a:endParaRPr lang="en-US" altLang="ko-KR" dirty="0"/>
+          </a:p>
+          <a:p>
+            <a:pPr marL="742950" lvl="1" indent="-285750">
+              <a:buFontTx/>
+              <a:buChar char="-"/>
+            </a:pPr>
+            <a:r>
+              <a:rPr lang="ko-KR" altLang="en-US" dirty="0"/>
+              <a:t>내국인</a:t>
+            </a:r>
+            <a:r>
+              <a:rPr lang="en-US" altLang="ko-KR" dirty="0"/>
+              <a:t>,</a:t>
+            </a:r>
+            <a:r>
+              <a:rPr lang="ko-KR" altLang="en-US" dirty="0"/>
+              <a:t>외국인</a:t>
             </a:r>
           </a:p>
         </p:txBody>
@@ -5106,7 +5095,7 @@
     </p:spTree>
     <p:extLst>
       <p:ext uri="{BB962C8B-B14F-4D97-AF65-F5344CB8AC3E}">
-        <p14:creationId xmlns:p14="http://schemas.microsoft.com/office/powerpoint/2010/main" val="519938137"/>
+        <p14:creationId xmlns:p14="http://schemas.microsoft.com/office/powerpoint/2010/main" val="1524897323"/>
       </p:ext>
     </p:extLst>
   </p:cSld>
@@ -5138,7 +5127,7 @@
           <p:cNvPr id="5" name="그림 4">
             <a:extLst>
               <a:ext uri="{FF2B5EF4-FFF2-40B4-BE49-F238E27FC236}">
-                <a16:creationId xmlns:a16="http://schemas.microsoft.com/office/drawing/2014/main" id="{9BF2F41C-DB62-450C-9268-E72816A990C0}"/>
+                <a16:creationId xmlns:a16="http://schemas.microsoft.com/office/drawing/2014/main" id="{C52A3930-D7D3-4D51-B1C5-49798CB323F5}"/>
               </a:ext>
             </a:extLst>
           </p:cNvPr>
@@ -5174,7 +5163,7 @@
           <p:cNvPr id="6" name="TextBox 5">
             <a:extLst>
               <a:ext uri="{FF2B5EF4-FFF2-40B4-BE49-F238E27FC236}">
-                <a16:creationId xmlns:a16="http://schemas.microsoft.com/office/drawing/2014/main" id="{4DD8BF08-50D0-4844-831D-4B4B7C17A44F}"/>
+                <a16:creationId xmlns:a16="http://schemas.microsoft.com/office/drawing/2014/main" id="{0E466B2B-6A1F-44DF-B8D9-3ABE81436EFA}"/>
               </a:ext>
             </a:extLst>
           </p:cNvPr>
@@ -5184,7 +5173,7 @@
         <p:spPr>
           <a:xfrm>
             <a:off x="6400859" y="514121"/>
-            <a:ext cx="4405373" cy="738664"/>
+            <a:ext cx="4729180" cy="738664"/>
           </a:xfrm>
           <a:prstGeom prst="rect">
             <a:avLst/>
@@ -5203,7 +5192,7 @@
             </a:r>
             <a:r>
               <a:rPr lang="ko-KR" altLang="en-US" sz="1400" dirty="0"/>
-              <a:t>성별 체류기간</a:t>
+              <a:t>국적별 체류기간</a:t>
             </a:r>
             <a:endParaRPr lang="en-US" altLang="ko-KR" sz="1400" dirty="0"/>
           </a:p>
@@ -5214,23 +5203,15 @@
             </a:r>
             <a:r>
               <a:rPr lang="ko-KR" altLang="en-US" sz="1400" dirty="0"/>
-              <a:t>체류기간이 긴 </a:t>
+              <a:t>체류기간이 상대적으로 긴 </a:t>
             </a:r>
             <a:r>
               <a:rPr lang="en-US" altLang="ko-KR" sz="1400" dirty="0"/>
               <a:t>‘</a:t>
             </a:r>
             <a:r>
-              <a:rPr lang="ko-KR" altLang="en-US" sz="1400" dirty="0"/>
-              <a:t>외국</a:t>
-            </a:r>
-            <a:r>
-              <a:rPr lang="en-US" altLang="ko-KR" sz="1400" dirty="0"/>
-              <a:t>-</a:t>
-            </a:r>
-            <a:r>
-              <a:rPr lang="ko-KR" altLang="en-US" sz="1400" dirty="0"/>
-              <a:t>남</a:t>
+              <a:rPr lang="ko-KR" altLang="en-US" sz="1400" dirty="0" err="1"/>
+              <a:t>북미권</a:t>
             </a:r>
             <a:r>
               <a:rPr lang="en-US" altLang="ko-KR" sz="1400" dirty="0"/>
@@ -5240,44 +5221,43 @@
           <a:p>
             <a:r>
               <a:rPr lang="en-US" altLang="ko-KR" sz="1400" dirty="0"/>
-              <a:t>	- </a:t>
-            </a:r>
-            <a:r>
-              <a:rPr lang="ko-KR" altLang="en-US" sz="1400" dirty="0"/>
-              <a:t>체류기간 </a:t>
-            </a:r>
-            <a:r>
-              <a:rPr lang="en-US" altLang="ko-KR" sz="1400" dirty="0"/>
-              <a:t>3</a:t>
-            </a:r>
-            <a:r>
-              <a:rPr lang="ko-KR" altLang="en-US" sz="1400" dirty="0"/>
-              <a:t>일</a:t>
-            </a:r>
-            <a:r>
-              <a:rPr lang="en-US" altLang="ko-KR" sz="1400" dirty="0"/>
-              <a:t>,4</a:t>
-            </a:r>
-            <a:r>
-              <a:rPr lang="ko-KR" altLang="en-US" sz="1400" dirty="0"/>
-              <a:t>일이 대부분인 </a:t>
+              <a:t>	- 3</a:t>
+            </a:r>
+            <a:r>
+              <a:rPr lang="ko-KR" altLang="en-US" sz="1400" dirty="0"/>
+              <a:t>일체류가 상대적으로 많은 </a:t>
             </a:r>
             <a:r>
               <a:rPr lang="en-US" altLang="ko-KR" sz="1400" dirty="0"/>
               <a:t>‘</a:t>
             </a:r>
             <a:r>
-              <a:rPr lang="ko-KR" altLang="en-US" sz="1400" dirty="0"/>
-              <a:t>내국인＇</a:t>
-            </a:r>
-            <a:endParaRPr lang="en-US" altLang="ko-KR" sz="1400" dirty="0"/>
+              <a:rPr lang="ko-KR" altLang="en-US" sz="1400" dirty="0" err="1"/>
+              <a:t>한국＇과</a:t>
+            </a:r>
+            <a:r>
+              <a:rPr lang="ko-KR" altLang="en-US" sz="1400" dirty="0"/>
+              <a:t> </a:t>
+            </a:r>
+            <a:r>
+              <a:rPr lang="en-US" altLang="ko-KR" sz="1400" dirty="0"/>
+              <a:t>‘</a:t>
+            </a:r>
+            <a:r>
+              <a:rPr lang="ko-KR" altLang="en-US" sz="1400" dirty="0"/>
+              <a:t>일본</a:t>
+            </a:r>
+            <a:r>
+              <a:rPr lang="en-US" altLang="ko-KR" sz="1400" dirty="0"/>
+              <a:t>’</a:t>
+            </a:r>
           </a:p>
         </p:txBody>
       </p:sp>
     </p:spTree>
     <p:extLst>
       <p:ext uri="{BB962C8B-B14F-4D97-AF65-F5344CB8AC3E}">
-        <p14:creationId xmlns:p14="http://schemas.microsoft.com/office/powerpoint/2010/main" val="3593419233"/>
+        <p14:creationId xmlns:p14="http://schemas.microsoft.com/office/powerpoint/2010/main" val="519938137"/>
       </p:ext>
     </p:extLst>
   </p:cSld>
@@ -5309,7 +5289,7 @@
           <p:cNvPr id="5" name="그림 4">
             <a:extLst>
               <a:ext uri="{FF2B5EF4-FFF2-40B4-BE49-F238E27FC236}">
-                <a16:creationId xmlns:a16="http://schemas.microsoft.com/office/drawing/2014/main" id="{AFC15620-1EF8-475B-84D9-CD97F26195C9}"/>
+                <a16:creationId xmlns:a16="http://schemas.microsoft.com/office/drawing/2014/main" id="{9BF2F41C-DB62-450C-9268-E72816A990C0}"/>
               </a:ext>
             </a:extLst>
           </p:cNvPr>
@@ -5333,7 +5313,7 @@
         <p:spPr>
           <a:xfrm>
             <a:off x="0" y="0"/>
-            <a:ext cx="9897856" cy="5792008"/>
+            <a:ext cx="5772956" cy="5792008"/>
           </a:xfrm>
           <a:prstGeom prst="rect">
             <a:avLst/>
@@ -5345,7 +5325,7 @@
           <p:cNvPr id="6" name="TextBox 5">
             <a:extLst>
               <a:ext uri="{FF2B5EF4-FFF2-40B4-BE49-F238E27FC236}">
-                <a16:creationId xmlns:a16="http://schemas.microsoft.com/office/drawing/2014/main" id="{4CF7F927-1935-468E-8B39-33D68ABDF489}"/>
+                <a16:creationId xmlns:a16="http://schemas.microsoft.com/office/drawing/2014/main" id="{4DD8BF08-50D0-4844-831D-4B4B7C17A44F}"/>
               </a:ext>
             </a:extLst>
           </p:cNvPr>
@@ -5354,8 +5334,8 @@
         </p:nvSpPr>
         <p:spPr>
           <a:xfrm>
-            <a:off x="6920148" y="5695721"/>
-            <a:ext cx="4405373" cy="954107"/>
+            <a:off x="6400859" y="514121"/>
+            <a:ext cx="4405373" cy="738664"/>
           </a:xfrm>
           <a:prstGeom prst="rect">
             <a:avLst/>
@@ -5374,18 +5354,18 @@
             </a:r>
             <a:r>
               <a:rPr lang="ko-KR" altLang="en-US" sz="1400" dirty="0"/>
-              <a:t>연령별 체류기간</a:t>
+              <a:t>성별 체류기간</a:t>
             </a:r>
             <a:endParaRPr lang="en-US" altLang="ko-KR" sz="1400" dirty="0"/>
           </a:p>
           <a:p>
             <a:r>
               <a:rPr lang="en-US" altLang="ko-KR" sz="1400" dirty="0"/>
-              <a:t>	- 4</a:t>
-            </a:r>
-            <a:r>
-              <a:rPr lang="ko-KR" altLang="en-US" sz="1400" dirty="0"/>
-              <a:t>일 체류 비중이 높은 </a:t>
+              <a:t>	- </a:t>
+            </a:r>
+            <a:r>
+              <a:rPr lang="ko-KR" altLang="en-US" sz="1400" dirty="0"/>
+              <a:t>체류기간이 긴 </a:t>
             </a:r>
             <a:r>
               <a:rPr lang="en-US" altLang="ko-KR" sz="1400" dirty="0"/>
@@ -5393,15 +5373,15 @@
             </a:r>
             <a:r>
               <a:rPr lang="ko-KR" altLang="en-US" sz="1400" dirty="0"/>
-              <a:t>내</a:t>
-            </a:r>
-            <a:r>
-              <a:rPr lang="en-US" altLang="ko-KR" sz="1400" dirty="0"/>
-              <a:t>-15-20</a:t>
-            </a:r>
-            <a:r>
-              <a:rPr lang="ko-KR" altLang="en-US" sz="1400" dirty="0"/>
-              <a:t>세</a:t>
+              <a:t>외국</a:t>
+            </a:r>
+            <a:r>
+              <a:rPr lang="en-US" altLang="ko-KR" sz="1400" dirty="0"/>
+              <a:t>-</a:t>
+            </a:r>
+            <a:r>
+              <a:rPr lang="ko-KR" altLang="en-US" sz="1400" dirty="0"/>
+              <a:t>남</a:t>
             </a:r>
             <a:r>
               <a:rPr lang="en-US" altLang="ko-KR" sz="1400" dirty="0"/>
@@ -5439,42 +5419,7 @@
             </a:r>
             <a:r>
               <a:rPr lang="ko-KR" altLang="en-US" sz="1400" dirty="0"/>
-              <a:t>내국인‘</a:t>
-            </a:r>
-            <a:endParaRPr lang="en-US" altLang="ko-KR" sz="1400" dirty="0"/>
-          </a:p>
-          <a:p>
-            <a:r>
-              <a:rPr lang="en-US" altLang="ko-KR" sz="1400" dirty="0"/>
-              <a:t>	- </a:t>
-            </a:r>
-            <a:r>
-              <a:rPr lang="ko-KR" altLang="en-US" sz="1400" dirty="0"/>
-              <a:t>체류기간 </a:t>
-            </a:r>
-            <a:r>
-              <a:rPr lang="en-US" altLang="ko-KR" sz="1400" dirty="0"/>
-              <a:t>5</a:t>
-            </a:r>
-            <a:r>
-              <a:rPr lang="ko-KR" altLang="en-US" sz="1400" dirty="0"/>
-              <a:t>일 </a:t>
-            </a:r>
-            <a:r>
-              <a:rPr lang="en-US" altLang="ko-KR" sz="1400" dirty="0"/>
-              <a:t>‘</a:t>
-            </a:r>
-            <a:r>
-              <a:rPr lang="ko-KR" altLang="en-US" sz="1400" dirty="0"/>
-              <a:t>외</a:t>
-            </a:r>
-            <a:r>
-              <a:rPr lang="en-US" altLang="ko-KR" sz="1400" dirty="0"/>
-              <a:t>-51-60</a:t>
-            </a:r>
-            <a:r>
-              <a:rPr lang="ko-KR" altLang="en-US" sz="1400" dirty="0"/>
-              <a:t>세＇</a:t>
+              <a:t>내국인＇</a:t>
             </a:r>
             <a:endParaRPr lang="en-US" altLang="ko-KR" sz="1400" dirty="0"/>
           </a:p>
@@ -5483,7 +5428,7 @@
     </p:spTree>
     <p:extLst>
       <p:ext uri="{BB962C8B-B14F-4D97-AF65-F5344CB8AC3E}">
-        <p14:creationId xmlns:p14="http://schemas.microsoft.com/office/powerpoint/2010/main" val="3380094530"/>
+        <p14:creationId xmlns:p14="http://schemas.microsoft.com/office/powerpoint/2010/main" val="3593419233"/>
       </p:ext>
     </p:extLst>
   </p:cSld>
@@ -6980,6 +6925,212 @@
           <p:cNvPr id="5" name="그림 4">
             <a:extLst>
               <a:ext uri="{FF2B5EF4-FFF2-40B4-BE49-F238E27FC236}">
+                <a16:creationId xmlns:a16="http://schemas.microsoft.com/office/drawing/2014/main" id="{AFC15620-1EF8-475B-84D9-CD97F26195C9}"/>
+              </a:ext>
+            </a:extLst>
+          </p:cNvPr>
+          <p:cNvPicPr>
+            <a:picLocks noChangeAspect="1"/>
+          </p:cNvPicPr>
+          <p:nvPr/>
+        </p:nvPicPr>
+        <p:blipFill>
+          <a:blip r:embed="rId2">
+            <a:extLst>
+              <a:ext uri="{28A0092B-C50C-407E-A947-70E740481C1C}">
+                <a14:useLocalDpi xmlns:a14="http://schemas.microsoft.com/office/drawing/2010/main" val="0"/>
+              </a:ext>
+            </a:extLst>
+          </a:blip>
+          <a:stretch>
+            <a:fillRect/>
+          </a:stretch>
+        </p:blipFill>
+        <p:spPr>
+          <a:xfrm>
+            <a:off x="0" y="0"/>
+            <a:ext cx="9897856" cy="5792008"/>
+          </a:xfrm>
+          <a:prstGeom prst="rect">
+            <a:avLst/>
+          </a:prstGeom>
+        </p:spPr>
+      </p:pic>
+      <p:sp>
+        <p:nvSpPr>
+          <p:cNvPr id="6" name="TextBox 5">
+            <a:extLst>
+              <a:ext uri="{FF2B5EF4-FFF2-40B4-BE49-F238E27FC236}">
+                <a16:creationId xmlns:a16="http://schemas.microsoft.com/office/drawing/2014/main" id="{4CF7F927-1935-468E-8B39-33D68ABDF489}"/>
+              </a:ext>
+            </a:extLst>
+          </p:cNvPr>
+          <p:cNvSpPr txBox="1"/>
+          <p:nvPr/>
+        </p:nvSpPr>
+        <p:spPr>
+          <a:xfrm>
+            <a:off x="6920148" y="5695721"/>
+            <a:ext cx="4405373" cy="954107"/>
+          </a:xfrm>
+          <a:prstGeom prst="rect">
+            <a:avLst/>
+          </a:prstGeom>
+          <a:noFill/>
+        </p:spPr>
+        <p:txBody>
+          <a:bodyPr wrap="none" rtlCol="0">
+            <a:spAutoFit/>
+          </a:bodyPr>
+          <a:lstStyle/>
+          <a:p>
+            <a:r>
+              <a:rPr lang="en-US" altLang="ko-KR" sz="1400" dirty="0"/>
+              <a:t>*</a:t>
+            </a:r>
+            <a:r>
+              <a:rPr lang="ko-KR" altLang="en-US" sz="1400" dirty="0"/>
+              <a:t>연령별 체류기간</a:t>
+            </a:r>
+            <a:endParaRPr lang="en-US" altLang="ko-KR" sz="1400" dirty="0"/>
+          </a:p>
+          <a:p>
+            <a:r>
+              <a:rPr lang="en-US" altLang="ko-KR" sz="1400" dirty="0"/>
+              <a:t>	- 4</a:t>
+            </a:r>
+            <a:r>
+              <a:rPr lang="ko-KR" altLang="en-US" sz="1400" dirty="0"/>
+              <a:t>일 체류 비중이 높은 </a:t>
+            </a:r>
+            <a:r>
+              <a:rPr lang="en-US" altLang="ko-KR" sz="1400" dirty="0"/>
+              <a:t>‘</a:t>
+            </a:r>
+            <a:r>
+              <a:rPr lang="ko-KR" altLang="en-US" sz="1400" dirty="0"/>
+              <a:t>내</a:t>
+            </a:r>
+            <a:r>
+              <a:rPr lang="en-US" altLang="ko-KR" sz="1400" dirty="0"/>
+              <a:t>-15-20</a:t>
+            </a:r>
+            <a:r>
+              <a:rPr lang="ko-KR" altLang="en-US" sz="1400" dirty="0"/>
+              <a:t>세</a:t>
+            </a:r>
+            <a:r>
+              <a:rPr lang="en-US" altLang="ko-KR" sz="1400" dirty="0"/>
+              <a:t>’</a:t>
+            </a:r>
+          </a:p>
+          <a:p>
+            <a:r>
+              <a:rPr lang="en-US" altLang="ko-KR" sz="1400" dirty="0"/>
+              <a:t>	- </a:t>
+            </a:r>
+            <a:r>
+              <a:rPr lang="ko-KR" altLang="en-US" sz="1400" dirty="0"/>
+              <a:t>체류기간 </a:t>
+            </a:r>
+            <a:r>
+              <a:rPr lang="en-US" altLang="ko-KR" sz="1400" dirty="0"/>
+              <a:t>3</a:t>
+            </a:r>
+            <a:r>
+              <a:rPr lang="ko-KR" altLang="en-US" sz="1400" dirty="0"/>
+              <a:t>일</a:t>
+            </a:r>
+            <a:r>
+              <a:rPr lang="en-US" altLang="ko-KR" sz="1400" dirty="0"/>
+              <a:t>,4</a:t>
+            </a:r>
+            <a:r>
+              <a:rPr lang="ko-KR" altLang="en-US" sz="1400" dirty="0"/>
+              <a:t>일이 대부분인 </a:t>
+            </a:r>
+            <a:r>
+              <a:rPr lang="en-US" altLang="ko-KR" sz="1400" dirty="0"/>
+              <a:t>‘</a:t>
+            </a:r>
+            <a:r>
+              <a:rPr lang="ko-KR" altLang="en-US" sz="1400" dirty="0"/>
+              <a:t>내국인‘</a:t>
+            </a:r>
+            <a:endParaRPr lang="en-US" altLang="ko-KR" sz="1400" dirty="0"/>
+          </a:p>
+          <a:p>
+            <a:r>
+              <a:rPr lang="en-US" altLang="ko-KR" sz="1400" dirty="0"/>
+              <a:t>	- </a:t>
+            </a:r>
+            <a:r>
+              <a:rPr lang="ko-KR" altLang="en-US" sz="1400" dirty="0"/>
+              <a:t>체류기간 </a:t>
+            </a:r>
+            <a:r>
+              <a:rPr lang="en-US" altLang="ko-KR" sz="1400" dirty="0"/>
+              <a:t>5</a:t>
+            </a:r>
+            <a:r>
+              <a:rPr lang="ko-KR" altLang="en-US" sz="1400" dirty="0"/>
+              <a:t>일 </a:t>
+            </a:r>
+            <a:r>
+              <a:rPr lang="en-US" altLang="ko-KR" sz="1400" dirty="0"/>
+              <a:t>‘</a:t>
+            </a:r>
+            <a:r>
+              <a:rPr lang="ko-KR" altLang="en-US" sz="1400" dirty="0"/>
+              <a:t>외</a:t>
+            </a:r>
+            <a:r>
+              <a:rPr lang="en-US" altLang="ko-KR" sz="1400" dirty="0"/>
+              <a:t>-51-60</a:t>
+            </a:r>
+            <a:r>
+              <a:rPr lang="ko-KR" altLang="en-US" sz="1400" dirty="0"/>
+              <a:t>세＇</a:t>
+            </a:r>
+            <a:endParaRPr lang="en-US" altLang="ko-KR" sz="1400" dirty="0"/>
+          </a:p>
+        </p:txBody>
+      </p:sp>
+    </p:spTree>
+    <p:extLst>
+      <p:ext uri="{BB962C8B-B14F-4D97-AF65-F5344CB8AC3E}">
+        <p14:creationId xmlns:p14="http://schemas.microsoft.com/office/powerpoint/2010/main" val="3380094530"/>
+      </p:ext>
+    </p:extLst>
+  </p:cSld>
+  <p:clrMapOvr>
+    <a:masterClrMapping/>
+  </p:clrMapOvr>
+</p:sld>
+</file>
+
+<file path=ppt/slides/slide21.xml><?xml version="1.0" encoding="utf-8"?>
+<p:sld xmlns:a="http://schemas.openxmlformats.org/drawingml/2006/main" xmlns:r="http://schemas.openxmlformats.org/officeDocument/2006/relationships" xmlns:p="http://schemas.openxmlformats.org/presentationml/2006/main">
+  <p:cSld>
+    <p:spTree>
+      <p:nvGrpSpPr>
+        <p:cNvPr id="1" name=""/>
+        <p:cNvGrpSpPr/>
+        <p:nvPr/>
+      </p:nvGrpSpPr>
+      <p:grpSpPr>
+        <a:xfrm>
+          <a:off x="0" y="0"/>
+          <a:ext cx="0" cy="0"/>
+          <a:chOff x="0" y="0"/>
+          <a:chExt cx="0" cy="0"/>
+        </a:xfrm>
+      </p:grpSpPr>
+      <p:pic>
+        <p:nvPicPr>
+          <p:cNvPr id="5" name="그림 4">
+            <a:extLst>
+              <a:ext uri="{FF2B5EF4-FFF2-40B4-BE49-F238E27FC236}">
                 <a16:creationId xmlns:a16="http://schemas.microsoft.com/office/drawing/2014/main" id="{B3A46928-079E-4CFB-8CD2-84EDF05E4A7F}"/>
               </a:ext>
             </a:extLst>
@@ -7116,6 +7267,1503 @@
     <p:extLst>
       <p:ext uri="{BB962C8B-B14F-4D97-AF65-F5344CB8AC3E}">
         <p14:creationId xmlns:p14="http://schemas.microsoft.com/office/powerpoint/2010/main" val="1764858697"/>
+      </p:ext>
+    </p:extLst>
+  </p:cSld>
+  <p:clrMapOvr>
+    <a:masterClrMapping/>
+  </p:clrMapOvr>
+</p:sld>
+</file>
+
+<file path=ppt/slides/slide22.xml><?xml version="1.0" encoding="utf-8"?>
+<p:sld xmlns:a="http://schemas.openxmlformats.org/drawingml/2006/main" xmlns:r="http://schemas.openxmlformats.org/officeDocument/2006/relationships" xmlns:p="http://schemas.openxmlformats.org/presentationml/2006/main">
+  <p:cSld>
+    <p:spTree>
+      <p:nvGrpSpPr>
+        <p:cNvPr id="1" name=""/>
+        <p:cNvGrpSpPr/>
+        <p:nvPr/>
+      </p:nvGrpSpPr>
+      <p:grpSpPr>
+        <a:xfrm>
+          <a:off x="0" y="0"/>
+          <a:ext cx="0" cy="0"/>
+          <a:chOff x="0" y="0"/>
+          <a:chExt cx="0" cy="0"/>
+        </a:xfrm>
+      </p:grpSpPr>
+      <p:sp>
+        <p:nvSpPr>
+          <p:cNvPr id="2" name="제목 1">
+            <a:extLst>
+              <a:ext uri="{FF2B5EF4-FFF2-40B4-BE49-F238E27FC236}">
+                <a16:creationId xmlns:a16="http://schemas.microsoft.com/office/drawing/2014/main" id="{314F67E7-9A25-42BE-946D-AB33397AE9D8}"/>
+              </a:ext>
+            </a:extLst>
+          </p:cNvPr>
+          <p:cNvSpPr>
+            <a:spLocks noGrp="1"/>
+          </p:cNvSpPr>
+          <p:nvPr>
+            <p:ph type="title"/>
+          </p:nvPr>
+        </p:nvSpPr>
+        <p:spPr>
+          <a:xfrm>
+            <a:off x="838200" y="-34370"/>
+            <a:ext cx="10515600" cy="1325563"/>
+          </a:xfrm>
+        </p:spPr>
+        <p:txBody>
+          <a:bodyPr/>
+          <a:lstStyle/>
+          <a:p>
+            <a:r>
+              <a:rPr lang="en-US" altLang="ko-KR" dirty="0"/>
+              <a:t>5. </a:t>
+            </a:r>
+            <a:r>
+              <a:rPr lang="ko-KR" altLang="en-US" dirty="0"/>
+              <a:t>관광만족도</a:t>
+            </a:r>
+            <a:r>
+              <a:rPr lang="en-US" altLang="ko-KR" dirty="0"/>
+              <a:t>,</a:t>
+            </a:r>
+            <a:r>
+              <a:rPr lang="ko-KR" altLang="en-US" dirty="0"/>
+              <a:t>불만족요인 등</a:t>
+            </a:r>
+          </a:p>
+        </p:txBody>
+      </p:sp>
+      <p:sp>
+        <p:nvSpPr>
+          <p:cNvPr id="4" name="TextBox 3">
+            <a:extLst>
+              <a:ext uri="{FF2B5EF4-FFF2-40B4-BE49-F238E27FC236}">
+                <a16:creationId xmlns:a16="http://schemas.microsoft.com/office/drawing/2014/main" id="{3C4098F4-68FB-42FE-8618-30A48DCC64B5}"/>
+              </a:ext>
+            </a:extLst>
+          </p:cNvPr>
+          <p:cNvSpPr txBox="1"/>
+          <p:nvPr/>
+        </p:nvSpPr>
+        <p:spPr>
+          <a:xfrm>
+            <a:off x="448845" y="1275128"/>
+            <a:ext cx="5166799" cy="2585323"/>
+          </a:xfrm>
+          <a:prstGeom prst="rect">
+            <a:avLst/>
+          </a:prstGeom>
+          <a:noFill/>
+        </p:spPr>
+        <p:txBody>
+          <a:bodyPr wrap="none" rtlCol="0">
+            <a:spAutoFit/>
+          </a:bodyPr>
+          <a:lstStyle/>
+          <a:p>
+            <a:r>
+              <a:rPr lang="en-US" altLang="ko-KR" dirty="0"/>
+              <a:t>*</a:t>
+            </a:r>
+            <a:r>
+              <a:rPr lang="ko-KR" altLang="en-US" dirty="0"/>
+              <a:t>불만족요인</a:t>
+            </a:r>
+            <a:r>
+              <a:rPr lang="en-US" altLang="ko-KR" dirty="0"/>
+              <a:t>[2018]</a:t>
+            </a:r>
+          </a:p>
+          <a:p>
+            <a:pPr marL="285750" indent="-285750">
+              <a:buFontTx/>
+              <a:buChar char="-"/>
+            </a:pPr>
+            <a:r>
+              <a:rPr lang="ko-KR" altLang="en-US" dirty="0"/>
+              <a:t>국적별</a:t>
+            </a:r>
+            <a:endParaRPr lang="en-US" altLang="ko-KR" dirty="0"/>
+          </a:p>
+          <a:p>
+            <a:pPr marL="742950" lvl="1" indent="-285750">
+              <a:buFontTx/>
+              <a:buChar char="-"/>
+            </a:pPr>
+            <a:r>
+              <a:rPr lang="ko-KR" altLang="en-US" dirty="0"/>
+              <a:t>한국</a:t>
+            </a:r>
+            <a:r>
+              <a:rPr lang="en-US" altLang="ko-KR" dirty="0"/>
+              <a:t>,</a:t>
+            </a:r>
+            <a:r>
+              <a:rPr lang="ko-KR" altLang="en-US" dirty="0"/>
+              <a:t>일본</a:t>
+            </a:r>
+            <a:r>
+              <a:rPr lang="en-US" altLang="ko-KR" dirty="0"/>
+              <a:t>,</a:t>
+            </a:r>
+            <a:r>
+              <a:rPr lang="ko-KR" altLang="en-US" dirty="0"/>
+              <a:t>중국</a:t>
+            </a:r>
+            <a:r>
+              <a:rPr lang="en-US" altLang="ko-KR" dirty="0"/>
+              <a:t>,</a:t>
+            </a:r>
+            <a:r>
+              <a:rPr lang="ko-KR" altLang="en-US" dirty="0" err="1"/>
+              <a:t>중화권</a:t>
+            </a:r>
+            <a:r>
+              <a:rPr lang="en-US" altLang="ko-KR" dirty="0"/>
+              <a:t>,</a:t>
+            </a:r>
+            <a:r>
+              <a:rPr lang="ko-KR" altLang="en-US" dirty="0"/>
+              <a:t>동남아</a:t>
+            </a:r>
+            <a:r>
+              <a:rPr lang="en-US" altLang="ko-KR" dirty="0"/>
+              <a:t>,</a:t>
+            </a:r>
+            <a:r>
+              <a:rPr lang="ko-KR" altLang="en-US" dirty="0" err="1"/>
+              <a:t>북미권</a:t>
+            </a:r>
+            <a:r>
+              <a:rPr lang="en-US" altLang="ko-KR" dirty="0"/>
+              <a:t>,</a:t>
+            </a:r>
+            <a:r>
+              <a:rPr lang="ko-KR" altLang="en-US" dirty="0"/>
+              <a:t>기타</a:t>
+            </a:r>
+            <a:endParaRPr lang="en-US" altLang="ko-KR" dirty="0"/>
+          </a:p>
+          <a:p>
+            <a:pPr marL="285750" indent="-285750">
+              <a:buFontTx/>
+              <a:buChar char="-"/>
+            </a:pPr>
+            <a:r>
+              <a:rPr lang="ko-KR" altLang="en-US" dirty="0"/>
+              <a:t>성별</a:t>
+            </a:r>
+            <a:endParaRPr lang="en-US" altLang="ko-KR" dirty="0"/>
+          </a:p>
+          <a:p>
+            <a:pPr marL="742950" lvl="1" indent="-285750">
+              <a:buFontTx/>
+              <a:buChar char="-"/>
+            </a:pPr>
+            <a:r>
+              <a:rPr lang="ko-KR" altLang="en-US" dirty="0"/>
+              <a:t>내국인</a:t>
+            </a:r>
+            <a:r>
+              <a:rPr lang="en-US" altLang="ko-KR" dirty="0"/>
+              <a:t>,</a:t>
+            </a:r>
+            <a:r>
+              <a:rPr lang="ko-KR" altLang="en-US" dirty="0"/>
+              <a:t>외국인</a:t>
+            </a:r>
+            <a:endParaRPr lang="en-US" altLang="ko-KR" dirty="0"/>
+          </a:p>
+          <a:p>
+            <a:pPr marL="285750" indent="-285750">
+              <a:buFontTx/>
+              <a:buChar char="-"/>
+            </a:pPr>
+            <a:r>
+              <a:rPr lang="ko-KR" altLang="en-US" dirty="0"/>
+              <a:t>연령별</a:t>
+            </a:r>
+            <a:endParaRPr lang="en-US" altLang="ko-KR" dirty="0"/>
+          </a:p>
+          <a:p>
+            <a:pPr marL="742950" lvl="1" indent="-285750">
+              <a:buFontTx/>
+              <a:buChar char="-"/>
+            </a:pPr>
+            <a:r>
+              <a:rPr lang="ko-KR" altLang="en-US" dirty="0"/>
+              <a:t>내국인</a:t>
+            </a:r>
+            <a:r>
+              <a:rPr lang="en-US" altLang="ko-KR" dirty="0"/>
+              <a:t>,</a:t>
+            </a:r>
+            <a:r>
+              <a:rPr lang="ko-KR" altLang="en-US" dirty="0"/>
+              <a:t>외국인</a:t>
+            </a:r>
+            <a:endParaRPr lang="en-US" altLang="ko-KR" dirty="0"/>
+          </a:p>
+          <a:p>
+            <a:pPr marL="285750" indent="-285750">
+              <a:buFontTx/>
+              <a:buChar char="-"/>
+            </a:pPr>
+            <a:r>
+              <a:rPr lang="ko-KR" altLang="en-US" dirty="0"/>
+              <a:t>여행형태별</a:t>
+            </a:r>
+            <a:endParaRPr lang="en-US" altLang="ko-KR" dirty="0"/>
+          </a:p>
+          <a:p>
+            <a:pPr marL="742950" lvl="1" indent="-285750">
+              <a:buFontTx/>
+              <a:buChar char="-"/>
+            </a:pPr>
+            <a:r>
+              <a:rPr lang="ko-KR" altLang="en-US" dirty="0"/>
+              <a:t>내국인</a:t>
+            </a:r>
+            <a:r>
+              <a:rPr lang="en-US" altLang="ko-KR" dirty="0"/>
+              <a:t>,</a:t>
+            </a:r>
+            <a:r>
+              <a:rPr lang="ko-KR" altLang="en-US" dirty="0"/>
+              <a:t>외국인</a:t>
+            </a:r>
+          </a:p>
+        </p:txBody>
+      </p:sp>
+      <p:sp>
+        <p:nvSpPr>
+          <p:cNvPr id="6" name="TextBox 5">
+            <a:extLst>
+              <a:ext uri="{FF2B5EF4-FFF2-40B4-BE49-F238E27FC236}">
+                <a16:creationId xmlns:a16="http://schemas.microsoft.com/office/drawing/2014/main" id="{1EF6CF83-2ED9-417B-A8EB-AC9048CDBA64}"/>
+              </a:ext>
+            </a:extLst>
+          </p:cNvPr>
+          <p:cNvSpPr txBox="1"/>
+          <p:nvPr/>
+        </p:nvSpPr>
+        <p:spPr>
+          <a:xfrm>
+            <a:off x="448845" y="4109123"/>
+            <a:ext cx="2073003" cy="923330"/>
+          </a:xfrm>
+          <a:prstGeom prst="rect">
+            <a:avLst/>
+          </a:prstGeom>
+          <a:noFill/>
+        </p:spPr>
+        <p:txBody>
+          <a:bodyPr wrap="none" rtlCol="0">
+            <a:spAutoFit/>
+          </a:bodyPr>
+          <a:lstStyle/>
+          <a:p>
+            <a:r>
+              <a:rPr lang="en-US" altLang="ko-KR" dirty="0"/>
+              <a:t>*</a:t>
+            </a:r>
+            <a:r>
+              <a:rPr lang="ko-KR" altLang="en-US" dirty="0"/>
+              <a:t>만족활동</a:t>
+            </a:r>
+            <a:r>
+              <a:rPr lang="en-US" altLang="ko-KR" dirty="0"/>
+              <a:t>[2018]</a:t>
+            </a:r>
+          </a:p>
+          <a:p>
+            <a:pPr marL="285750" indent="-285750">
+              <a:buFontTx/>
+              <a:buChar char="-"/>
+            </a:pPr>
+            <a:r>
+              <a:rPr lang="ko-KR" altLang="en-US" dirty="0"/>
+              <a:t>국적별</a:t>
+            </a:r>
+            <a:r>
+              <a:rPr lang="en-US" altLang="ko-KR" dirty="0"/>
+              <a:t> : </a:t>
+            </a:r>
+            <a:r>
+              <a:rPr lang="ko-KR" altLang="en-US" dirty="0"/>
+              <a:t>국내외</a:t>
+            </a:r>
+            <a:endParaRPr lang="en-US" altLang="ko-KR" dirty="0"/>
+          </a:p>
+          <a:p>
+            <a:pPr marL="285750" indent="-285750">
+              <a:buFontTx/>
+              <a:buChar char="-"/>
+            </a:pPr>
+            <a:endParaRPr lang="en-US" altLang="ko-KR" dirty="0"/>
+          </a:p>
+        </p:txBody>
+      </p:sp>
+      <p:sp>
+        <p:nvSpPr>
+          <p:cNvPr id="7" name="TextBox 6">
+            <a:extLst>
+              <a:ext uri="{FF2B5EF4-FFF2-40B4-BE49-F238E27FC236}">
+                <a16:creationId xmlns:a16="http://schemas.microsoft.com/office/drawing/2014/main" id="{64923F25-97A7-494B-8B85-6A8957986D9A}"/>
+              </a:ext>
+            </a:extLst>
+          </p:cNvPr>
+          <p:cNvSpPr txBox="1"/>
+          <p:nvPr/>
+        </p:nvSpPr>
+        <p:spPr>
+          <a:xfrm>
+            <a:off x="448845" y="5172478"/>
+            <a:ext cx="2545890" cy="1754326"/>
+          </a:xfrm>
+          <a:prstGeom prst="rect">
+            <a:avLst/>
+          </a:prstGeom>
+          <a:noFill/>
+        </p:spPr>
+        <p:txBody>
+          <a:bodyPr wrap="none" rtlCol="0">
+            <a:spAutoFit/>
+          </a:bodyPr>
+          <a:lstStyle/>
+          <a:p>
+            <a:r>
+              <a:rPr lang="en-US" altLang="ko-KR" dirty="0"/>
+              <a:t>*</a:t>
+            </a:r>
+            <a:r>
+              <a:rPr lang="ko-KR" altLang="en-US" dirty="0"/>
+              <a:t>숙박시설만족도</a:t>
+            </a:r>
+            <a:r>
+              <a:rPr lang="en-US" altLang="ko-KR" dirty="0"/>
+              <a:t>[2017]</a:t>
+            </a:r>
+          </a:p>
+          <a:p>
+            <a:pPr marL="285750" indent="-285750">
+              <a:buFontTx/>
+              <a:buChar char="-"/>
+            </a:pPr>
+            <a:r>
+              <a:rPr lang="ko-KR" altLang="en-US" dirty="0"/>
+              <a:t>시설상태 </a:t>
+            </a:r>
+            <a:r>
+              <a:rPr lang="en-US" altLang="ko-KR" dirty="0"/>
+              <a:t>:</a:t>
+            </a:r>
+          </a:p>
+          <a:p>
+            <a:pPr marL="285750" indent="-285750">
+              <a:buFontTx/>
+              <a:buChar char="-"/>
+            </a:pPr>
+            <a:r>
+              <a:rPr lang="ko-KR" altLang="en-US" dirty="0"/>
+              <a:t>종사원 친절도 </a:t>
+            </a:r>
+            <a:r>
+              <a:rPr lang="en-US" altLang="ko-KR" dirty="0"/>
+              <a:t>:</a:t>
+            </a:r>
+          </a:p>
+          <a:p>
+            <a:pPr marL="285750" indent="-285750">
+              <a:buFontTx/>
+              <a:buChar char="-"/>
+            </a:pPr>
+            <a:r>
+              <a:rPr lang="ko-KR" altLang="en-US" dirty="0"/>
+              <a:t>시설이용편의성 </a:t>
+            </a:r>
+            <a:r>
+              <a:rPr lang="en-US" altLang="ko-KR" dirty="0"/>
+              <a:t>: </a:t>
+            </a:r>
+          </a:p>
+          <a:p>
+            <a:pPr marL="285750" indent="-285750">
+              <a:buFontTx/>
+              <a:buChar char="-"/>
+            </a:pPr>
+            <a:endParaRPr lang="en-US" altLang="ko-KR" dirty="0"/>
+          </a:p>
+          <a:p>
+            <a:pPr marL="285750" indent="-285750">
+              <a:buFontTx/>
+              <a:buChar char="-"/>
+            </a:pPr>
+            <a:endParaRPr lang="en-US" altLang="ko-KR" dirty="0"/>
+          </a:p>
+        </p:txBody>
+      </p:sp>
+    </p:spTree>
+    <p:extLst>
+      <p:ext uri="{BB962C8B-B14F-4D97-AF65-F5344CB8AC3E}">
+        <p14:creationId xmlns:p14="http://schemas.microsoft.com/office/powerpoint/2010/main" val="2708079545"/>
+      </p:ext>
+    </p:extLst>
+  </p:cSld>
+  <p:clrMapOvr>
+    <a:masterClrMapping/>
+  </p:clrMapOvr>
+</p:sld>
+</file>
+
+<file path=ppt/slides/slide23.xml><?xml version="1.0" encoding="utf-8"?>
+<p:sld xmlns:a="http://schemas.openxmlformats.org/drawingml/2006/main" xmlns:r="http://schemas.openxmlformats.org/officeDocument/2006/relationships" xmlns:p="http://schemas.openxmlformats.org/presentationml/2006/main">
+  <p:cSld>
+    <p:spTree>
+      <p:nvGrpSpPr>
+        <p:cNvPr id="1" name=""/>
+        <p:cNvGrpSpPr/>
+        <p:nvPr/>
+      </p:nvGrpSpPr>
+      <p:grpSpPr>
+        <a:xfrm>
+          <a:off x="0" y="0"/>
+          <a:ext cx="0" cy="0"/>
+          <a:chOff x="0" y="0"/>
+          <a:chExt cx="0" cy="0"/>
+        </a:xfrm>
+      </p:grpSpPr>
+      <p:pic>
+        <p:nvPicPr>
+          <p:cNvPr id="7" name="그림 6">
+            <a:extLst>
+              <a:ext uri="{FF2B5EF4-FFF2-40B4-BE49-F238E27FC236}">
+                <a16:creationId xmlns:a16="http://schemas.microsoft.com/office/drawing/2014/main" id="{E5EBF3F1-E980-4E54-8A7C-ACE6F0CA0955}"/>
+              </a:ext>
+            </a:extLst>
+          </p:cNvPr>
+          <p:cNvPicPr>
+            <a:picLocks noChangeAspect="1"/>
+          </p:cNvPicPr>
+          <p:nvPr/>
+        </p:nvPicPr>
+        <p:blipFill>
+          <a:blip r:embed="rId2">
+            <a:extLst>
+              <a:ext uri="{28A0092B-C50C-407E-A947-70E740481C1C}">
+                <a14:useLocalDpi xmlns:a14="http://schemas.microsoft.com/office/drawing/2010/main" val="0"/>
+              </a:ext>
+            </a:extLst>
+          </a:blip>
+          <a:stretch>
+            <a:fillRect/>
+          </a:stretch>
+        </p:blipFill>
+        <p:spPr>
+          <a:xfrm>
+            <a:off x="0" y="0"/>
+            <a:ext cx="8526065" cy="5896798"/>
+          </a:xfrm>
+          <a:prstGeom prst="rect">
+            <a:avLst/>
+          </a:prstGeom>
+        </p:spPr>
+      </p:pic>
+      <p:sp>
+        <p:nvSpPr>
+          <p:cNvPr id="5" name="TextBox 4">
+            <a:extLst>
+              <a:ext uri="{FF2B5EF4-FFF2-40B4-BE49-F238E27FC236}">
+                <a16:creationId xmlns:a16="http://schemas.microsoft.com/office/drawing/2014/main" id="{16A4DC1B-1B4F-4BF0-8B20-A67590D8B803}"/>
+              </a:ext>
+            </a:extLst>
+          </p:cNvPr>
+          <p:cNvSpPr txBox="1"/>
+          <p:nvPr/>
+        </p:nvSpPr>
+        <p:spPr>
+          <a:xfrm>
+            <a:off x="6897290" y="136813"/>
+            <a:ext cx="5112297" cy="1169551"/>
+          </a:xfrm>
+          <a:prstGeom prst="rect">
+            <a:avLst/>
+          </a:prstGeom>
+          <a:noFill/>
+        </p:spPr>
+        <p:txBody>
+          <a:bodyPr wrap="none" rtlCol="0">
+            <a:spAutoFit/>
+          </a:bodyPr>
+          <a:lstStyle/>
+          <a:p>
+            <a:r>
+              <a:rPr lang="en-US" altLang="ko-KR" sz="1400" dirty="0"/>
+              <a:t>*</a:t>
+            </a:r>
+            <a:r>
+              <a:rPr lang="ko-KR" altLang="en-US" sz="1400" dirty="0"/>
+              <a:t>국적별 </a:t>
+            </a:r>
+            <a:r>
+              <a:rPr lang="ko-KR" altLang="en-US" sz="1400" dirty="0" err="1"/>
+              <a:t>여행불만족요인</a:t>
+            </a:r>
+            <a:endParaRPr lang="en-US" altLang="ko-KR" sz="1400" dirty="0"/>
+          </a:p>
+          <a:p>
+            <a:r>
+              <a:rPr lang="en-US" altLang="ko-KR" sz="1400" dirty="0"/>
+              <a:t>	- </a:t>
+            </a:r>
+            <a:r>
+              <a:rPr lang="ko-KR" altLang="en-US" sz="1400" dirty="0"/>
+              <a:t>물가에 민감</a:t>
+            </a:r>
+            <a:r>
+              <a:rPr lang="en-US" altLang="ko-KR" sz="1400" dirty="0"/>
+              <a:t> ‘</a:t>
+            </a:r>
+            <a:r>
+              <a:rPr lang="ko-KR" altLang="en-US" sz="1400" dirty="0"/>
+              <a:t>한국</a:t>
+            </a:r>
+            <a:r>
+              <a:rPr lang="en-US" altLang="ko-KR" sz="1400" dirty="0"/>
+              <a:t>’, ‘</a:t>
+            </a:r>
+            <a:r>
+              <a:rPr lang="ko-KR" altLang="en-US" sz="1400" dirty="0" err="1"/>
+              <a:t>중화권</a:t>
+            </a:r>
+            <a:r>
+              <a:rPr lang="en-US" altLang="ko-KR" sz="1400" dirty="0"/>
+              <a:t>’, ‘</a:t>
+            </a:r>
+            <a:r>
+              <a:rPr lang="ko-KR" altLang="en-US" sz="1400" dirty="0"/>
+              <a:t>동남아권</a:t>
+            </a:r>
+            <a:r>
+              <a:rPr lang="en-US" altLang="ko-KR" sz="1400" dirty="0"/>
+              <a:t>’</a:t>
+            </a:r>
+          </a:p>
+          <a:p>
+            <a:r>
+              <a:rPr lang="en-US" altLang="ko-KR" sz="1400" dirty="0"/>
+              <a:t>	- </a:t>
+            </a:r>
+            <a:r>
+              <a:rPr lang="ko-KR" altLang="en-US" sz="1400" dirty="0"/>
+              <a:t>대체적으로 만족하는 </a:t>
+            </a:r>
+            <a:r>
+              <a:rPr lang="en-US" altLang="ko-KR" sz="1400" dirty="0"/>
+              <a:t>‘</a:t>
+            </a:r>
+            <a:r>
+              <a:rPr lang="ko-KR" altLang="en-US" sz="1400" dirty="0"/>
+              <a:t>한국</a:t>
+            </a:r>
+            <a:r>
+              <a:rPr lang="en-US" altLang="ko-KR" sz="1400" dirty="0"/>
+              <a:t>’</a:t>
+            </a:r>
+          </a:p>
+          <a:p>
+            <a:r>
+              <a:rPr lang="en-US" altLang="ko-KR" sz="1400" dirty="0"/>
+              <a:t>	- </a:t>
+            </a:r>
+            <a:r>
+              <a:rPr lang="ko-KR" altLang="en-US" sz="1400" dirty="0"/>
+              <a:t>언어소통의 불편함을 느끼는 </a:t>
+            </a:r>
+            <a:r>
+              <a:rPr lang="en-US" altLang="ko-KR" sz="1400" dirty="0"/>
+              <a:t>‘</a:t>
+            </a:r>
+            <a:r>
+              <a:rPr lang="ko-KR" altLang="en-US" sz="1400" dirty="0"/>
+              <a:t>동남아권‘</a:t>
+            </a:r>
+            <a:r>
+              <a:rPr lang="en-US" altLang="ko-KR" sz="1400" dirty="0"/>
+              <a:t>, ’</a:t>
+            </a:r>
+            <a:r>
+              <a:rPr lang="ko-KR" altLang="en-US" sz="1400" dirty="0" err="1"/>
+              <a:t>북미권</a:t>
+            </a:r>
+            <a:r>
+              <a:rPr lang="en-US" altLang="ko-KR" sz="1400" dirty="0"/>
+              <a:t>’</a:t>
+            </a:r>
+          </a:p>
+          <a:p>
+            <a:r>
+              <a:rPr lang="en-US" altLang="ko-KR" sz="1400" dirty="0"/>
+              <a:t>	- </a:t>
+            </a:r>
+            <a:r>
+              <a:rPr lang="ko-KR" altLang="en-US" sz="1400" dirty="0"/>
+              <a:t>식당과 음식이 불결</a:t>
+            </a:r>
+            <a:r>
+              <a:rPr lang="en-US" altLang="ko-KR" sz="1400" dirty="0"/>
+              <a:t>, </a:t>
+            </a:r>
+            <a:r>
+              <a:rPr lang="ko-KR" altLang="en-US" sz="1400" dirty="0" err="1"/>
+              <a:t>음식맛이</a:t>
+            </a:r>
+            <a:r>
+              <a:rPr lang="ko-KR" altLang="en-US" sz="1400" dirty="0"/>
+              <a:t> 맞지않 </a:t>
+            </a:r>
+            <a:r>
+              <a:rPr lang="en-US" altLang="ko-KR" sz="1400" dirty="0"/>
+              <a:t>‘</a:t>
+            </a:r>
+            <a:r>
+              <a:rPr lang="ko-KR" altLang="en-US" sz="1400" dirty="0" err="1"/>
+              <a:t>북미권</a:t>
+            </a:r>
+            <a:r>
+              <a:rPr lang="ko-KR" altLang="en-US" sz="1400" dirty="0"/>
+              <a:t>＇</a:t>
+            </a:r>
+            <a:endParaRPr lang="en-US" altLang="ko-KR" sz="1400" dirty="0"/>
+          </a:p>
+        </p:txBody>
+      </p:sp>
+    </p:spTree>
+    <p:extLst>
+      <p:ext uri="{BB962C8B-B14F-4D97-AF65-F5344CB8AC3E}">
+        <p14:creationId xmlns:p14="http://schemas.microsoft.com/office/powerpoint/2010/main" val="525416835"/>
+      </p:ext>
+    </p:extLst>
+  </p:cSld>
+  <p:clrMapOvr>
+    <a:masterClrMapping/>
+  </p:clrMapOvr>
+</p:sld>
+</file>
+
+<file path=ppt/slides/slide24.xml><?xml version="1.0" encoding="utf-8"?>
+<p:sld xmlns:a="http://schemas.openxmlformats.org/drawingml/2006/main" xmlns:r="http://schemas.openxmlformats.org/officeDocument/2006/relationships" xmlns:p="http://schemas.openxmlformats.org/presentationml/2006/main">
+  <p:cSld>
+    <p:spTree>
+      <p:nvGrpSpPr>
+        <p:cNvPr id="1" name=""/>
+        <p:cNvGrpSpPr/>
+        <p:nvPr/>
+      </p:nvGrpSpPr>
+      <p:grpSpPr>
+        <a:xfrm>
+          <a:off x="0" y="0"/>
+          <a:ext cx="0" cy="0"/>
+          <a:chOff x="0" y="0"/>
+          <a:chExt cx="0" cy="0"/>
+        </a:xfrm>
+      </p:grpSpPr>
+      <p:pic>
+        <p:nvPicPr>
+          <p:cNvPr id="5" name="그림 4">
+            <a:extLst>
+              <a:ext uri="{FF2B5EF4-FFF2-40B4-BE49-F238E27FC236}">
+                <a16:creationId xmlns:a16="http://schemas.microsoft.com/office/drawing/2014/main" id="{51AFBC40-0164-41DF-9DB8-D61B034926CC}"/>
+              </a:ext>
+            </a:extLst>
+          </p:cNvPr>
+          <p:cNvPicPr>
+            <a:picLocks noChangeAspect="1"/>
+          </p:cNvPicPr>
+          <p:nvPr/>
+        </p:nvPicPr>
+        <p:blipFill>
+          <a:blip r:embed="rId2">
+            <a:extLst>
+              <a:ext uri="{28A0092B-C50C-407E-A947-70E740481C1C}">
+                <a14:useLocalDpi xmlns:a14="http://schemas.microsoft.com/office/drawing/2010/main" val="0"/>
+              </a:ext>
+            </a:extLst>
+          </a:blip>
+          <a:stretch>
+            <a:fillRect/>
+          </a:stretch>
+        </p:blipFill>
+        <p:spPr>
+          <a:xfrm>
+            <a:off x="0" y="0"/>
+            <a:ext cx="8526065" cy="5896798"/>
+          </a:xfrm>
+          <a:prstGeom prst="rect">
+            <a:avLst/>
+          </a:prstGeom>
+        </p:spPr>
+      </p:pic>
+      <p:sp>
+        <p:nvSpPr>
+          <p:cNvPr id="6" name="TextBox 5">
+            <a:extLst>
+              <a:ext uri="{FF2B5EF4-FFF2-40B4-BE49-F238E27FC236}">
+                <a16:creationId xmlns:a16="http://schemas.microsoft.com/office/drawing/2014/main" id="{067E3104-C7C7-49EE-93BE-0D5ADE95CDC3}"/>
+              </a:ext>
+            </a:extLst>
+          </p:cNvPr>
+          <p:cNvSpPr txBox="1"/>
+          <p:nvPr/>
+        </p:nvSpPr>
+        <p:spPr>
+          <a:xfrm>
+            <a:off x="6916340" y="155863"/>
+            <a:ext cx="5301451" cy="954107"/>
+          </a:xfrm>
+          <a:prstGeom prst="rect">
+            <a:avLst/>
+          </a:prstGeom>
+          <a:noFill/>
+        </p:spPr>
+        <p:txBody>
+          <a:bodyPr wrap="none" rtlCol="0">
+            <a:spAutoFit/>
+          </a:bodyPr>
+          <a:lstStyle/>
+          <a:p>
+            <a:r>
+              <a:rPr lang="en-US" altLang="ko-KR" sz="1400" dirty="0"/>
+              <a:t>*</a:t>
+            </a:r>
+            <a:r>
+              <a:rPr lang="ko-KR" altLang="en-US" sz="1400" dirty="0"/>
+              <a:t>성별 </a:t>
+            </a:r>
+            <a:r>
+              <a:rPr lang="ko-KR" altLang="en-US" sz="1400" dirty="0" err="1"/>
+              <a:t>여행불만족요인</a:t>
+            </a:r>
+            <a:endParaRPr lang="en-US" altLang="ko-KR" sz="1400" dirty="0"/>
+          </a:p>
+          <a:p>
+            <a:r>
+              <a:rPr lang="en-US" altLang="ko-KR" sz="1400" dirty="0"/>
+              <a:t>	- </a:t>
+            </a:r>
+            <a:r>
+              <a:rPr lang="ko-KR" altLang="en-US" sz="1400" dirty="0"/>
+              <a:t>반이상은 만족하는 </a:t>
+            </a:r>
+            <a:r>
+              <a:rPr lang="en-US" altLang="ko-KR" sz="1400" dirty="0"/>
+              <a:t>‘</a:t>
+            </a:r>
+            <a:r>
+              <a:rPr lang="ko-KR" altLang="en-US" sz="1400" dirty="0"/>
+              <a:t>한국인</a:t>
+            </a:r>
+            <a:r>
+              <a:rPr lang="en-US" altLang="ko-KR" sz="1400" dirty="0"/>
+              <a:t>’</a:t>
+            </a:r>
+          </a:p>
+          <a:p>
+            <a:r>
+              <a:rPr lang="en-US" altLang="ko-KR" sz="1400" dirty="0"/>
+              <a:t>	- </a:t>
+            </a:r>
+            <a:r>
+              <a:rPr lang="ko-KR" altLang="en-US" sz="1400" dirty="0"/>
+              <a:t>물가에 민감 </a:t>
+            </a:r>
+            <a:r>
+              <a:rPr lang="en-US" altLang="ko-KR" sz="1400" dirty="0"/>
+              <a:t>‘</a:t>
+            </a:r>
+            <a:r>
+              <a:rPr lang="ko-KR" altLang="en-US" sz="1400" dirty="0"/>
+              <a:t>한국인</a:t>
+            </a:r>
+            <a:r>
+              <a:rPr lang="en-US" altLang="ko-KR" sz="1400" dirty="0"/>
+              <a:t>’ </a:t>
+            </a:r>
+          </a:p>
+          <a:p>
+            <a:r>
+              <a:rPr lang="en-US" altLang="ko-KR" sz="1400" dirty="0"/>
+              <a:t>	- </a:t>
+            </a:r>
+            <a:r>
+              <a:rPr lang="ko-KR" altLang="en-US" sz="1400" dirty="0"/>
+              <a:t>언어소통</a:t>
+            </a:r>
+            <a:r>
+              <a:rPr lang="en-US" altLang="ko-KR" sz="1400" dirty="0"/>
+              <a:t>,</a:t>
+            </a:r>
+            <a:r>
+              <a:rPr lang="ko-KR" altLang="en-US" sz="1400" dirty="0"/>
+              <a:t>여행정보</a:t>
+            </a:r>
+            <a:r>
+              <a:rPr lang="en-US" altLang="ko-KR" sz="1400" dirty="0"/>
+              <a:t>,</a:t>
+            </a:r>
+            <a:r>
+              <a:rPr lang="ko-KR" altLang="en-US" sz="1400" dirty="0"/>
+              <a:t>물가</a:t>
+            </a:r>
+            <a:r>
+              <a:rPr lang="en-US" altLang="ko-KR" sz="1400" dirty="0"/>
+              <a:t>,</a:t>
+            </a:r>
+            <a:r>
+              <a:rPr lang="ko-KR" altLang="en-US" sz="1400" dirty="0"/>
+              <a:t>대중교통이용 불편 </a:t>
+            </a:r>
+            <a:r>
+              <a:rPr lang="en-US" altLang="ko-KR" sz="1400" dirty="0"/>
+              <a:t>’</a:t>
+            </a:r>
+            <a:r>
+              <a:rPr lang="ko-KR" altLang="en-US" sz="1400" dirty="0"/>
+              <a:t>외국인</a:t>
+            </a:r>
+            <a:r>
+              <a:rPr lang="en-US" altLang="ko-KR" sz="1400" dirty="0"/>
+              <a:t>’</a:t>
+            </a:r>
+          </a:p>
+        </p:txBody>
+      </p:sp>
+    </p:spTree>
+    <p:extLst>
+      <p:ext uri="{BB962C8B-B14F-4D97-AF65-F5344CB8AC3E}">
+        <p14:creationId xmlns:p14="http://schemas.microsoft.com/office/powerpoint/2010/main" val="495063067"/>
+      </p:ext>
+    </p:extLst>
+  </p:cSld>
+  <p:clrMapOvr>
+    <a:masterClrMapping/>
+  </p:clrMapOvr>
+</p:sld>
+</file>
+
+<file path=ppt/slides/slide25.xml><?xml version="1.0" encoding="utf-8"?>
+<p:sld xmlns:a="http://schemas.openxmlformats.org/drawingml/2006/main" xmlns:r="http://schemas.openxmlformats.org/officeDocument/2006/relationships" xmlns:p="http://schemas.openxmlformats.org/presentationml/2006/main">
+  <p:cSld>
+    <p:spTree>
+      <p:nvGrpSpPr>
+        <p:cNvPr id="1" name=""/>
+        <p:cNvGrpSpPr/>
+        <p:nvPr/>
+      </p:nvGrpSpPr>
+      <p:grpSpPr>
+        <a:xfrm>
+          <a:off x="0" y="0"/>
+          <a:ext cx="0" cy="0"/>
+          <a:chOff x="0" y="0"/>
+          <a:chExt cx="0" cy="0"/>
+        </a:xfrm>
+      </p:grpSpPr>
+      <p:pic>
+        <p:nvPicPr>
+          <p:cNvPr id="5" name="그림 4">
+            <a:extLst>
+              <a:ext uri="{FF2B5EF4-FFF2-40B4-BE49-F238E27FC236}">
+                <a16:creationId xmlns:a16="http://schemas.microsoft.com/office/drawing/2014/main" id="{AE6EF526-FA06-4EC5-839B-67B3D79C577F}"/>
+              </a:ext>
+            </a:extLst>
+          </p:cNvPr>
+          <p:cNvPicPr>
+            <a:picLocks noChangeAspect="1"/>
+          </p:cNvPicPr>
+          <p:nvPr/>
+        </p:nvPicPr>
+        <p:blipFill>
+          <a:blip r:embed="rId2">
+            <a:extLst>
+              <a:ext uri="{28A0092B-C50C-407E-A947-70E740481C1C}">
+                <a14:useLocalDpi xmlns:a14="http://schemas.microsoft.com/office/drawing/2010/main" val="0"/>
+              </a:ext>
+            </a:extLst>
+          </a:blip>
+          <a:stretch>
+            <a:fillRect/>
+          </a:stretch>
+        </p:blipFill>
+        <p:spPr>
+          <a:xfrm>
+            <a:off x="0" y="0"/>
+            <a:ext cx="8526065" cy="5896798"/>
+          </a:xfrm>
+          <a:prstGeom prst="rect">
+            <a:avLst/>
+          </a:prstGeom>
+        </p:spPr>
+      </p:pic>
+      <p:sp>
+        <p:nvSpPr>
+          <p:cNvPr id="6" name="TextBox 5">
+            <a:extLst>
+              <a:ext uri="{FF2B5EF4-FFF2-40B4-BE49-F238E27FC236}">
+                <a16:creationId xmlns:a16="http://schemas.microsoft.com/office/drawing/2014/main" id="{3DF25124-A5A6-40DE-A89A-FD3801565F83}"/>
+              </a:ext>
+            </a:extLst>
+          </p:cNvPr>
+          <p:cNvSpPr txBox="1"/>
+          <p:nvPr/>
+        </p:nvSpPr>
+        <p:spPr>
+          <a:xfrm>
+            <a:off x="7773590" y="222538"/>
+            <a:ext cx="4193777" cy="1600438"/>
+          </a:xfrm>
+          <a:prstGeom prst="rect">
+            <a:avLst/>
+          </a:prstGeom>
+          <a:noFill/>
+        </p:spPr>
+        <p:txBody>
+          <a:bodyPr wrap="none" rtlCol="0">
+            <a:spAutoFit/>
+          </a:bodyPr>
+          <a:lstStyle/>
+          <a:p>
+            <a:r>
+              <a:rPr lang="en-US" altLang="ko-KR" sz="1400" dirty="0"/>
+              <a:t>*</a:t>
+            </a:r>
+            <a:r>
+              <a:rPr lang="ko-KR" altLang="en-US" sz="1400" dirty="0"/>
+              <a:t>연령별 </a:t>
+            </a:r>
+            <a:r>
+              <a:rPr lang="ko-KR" altLang="en-US" sz="1400" dirty="0" err="1"/>
+              <a:t>여행불만족요인</a:t>
+            </a:r>
+            <a:endParaRPr lang="en-US" altLang="ko-KR" sz="1400" dirty="0"/>
+          </a:p>
+          <a:p>
+            <a:r>
+              <a:rPr lang="en-US" altLang="ko-KR" sz="1400" dirty="0"/>
+              <a:t>	- </a:t>
+            </a:r>
+            <a:r>
+              <a:rPr lang="ko-KR" altLang="en-US" sz="1400" dirty="0"/>
+              <a:t>연령이 높을수록 여행 만족 높</a:t>
+            </a:r>
+            <a:r>
+              <a:rPr lang="en-US" altLang="ko-KR" sz="1400" dirty="0"/>
+              <a:t>.</a:t>
+            </a:r>
+            <a:r>
+              <a:rPr lang="ko-KR" altLang="en-US" sz="1400" dirty="0"/>
+              <a:t> </a:t>
+            </a:r>
+            <a:r>
+              <a:rPr lang="en-US" altLang="ko-KR" sz="1400" dirty="0"/>
+              <a:t>‘</a:t>
+            </a:r>
+            <a:r>
+              <a:rPr lang="ko-KR" altLang="en-US" sz="1400" dirty="0"/>
+              <a:t>한국</a:t>
+            </a:r>
+            <a:r>
+              <a:rPr lang="en-US" altLang="ko-KR" sz="1400" dirty="0"/>
+              <a:t>’</a:t>
+            </a:r>
+          </a:p>
+          <a:p>
+            <a:r>
+              <a:rPr lang="en-US" altLang="ko-KR" sz="1400" dirty="0"/>
+              <a:t>	-  </a:t>
+            </a:r>
+            <a:r>
+              <a:rPr lang="ko-KR" altLang="en-US" sz="1400" dirty="0"/>
+              <a:t>대체적으로 물가에 민감 </a:t>
+            </a:r>
+            <a:r>
+              <a:rPr lang="en-US" altLang="ko-KR" sz="1400" dirty="0"/>
+              <a:t>‘</a:t>
+            </a:r>
+            <a:r>
+              <a:rPr lang="ko-KR" altLang="en-US" sz="1400" dirty="0"/>
+              <a:t>한국‘</a:t>
+            </a:r>
+            <a:endParaRPr lang="en-US" altLang="ko-KR" sz="1400" dirty="0"/>
+          </a:p>
+          <a:p>
+            <a:r>
+              <a:rPr lang="en-US" altLang="ko-KR" sz="1400" dirty="0"/>
+              <a:t>	- </a:t>
+            </a:r>
+            <a:r>
+              <a:rPr lang="ko-KR" altLang="en-US" sz="1400" dirty="0"/>
+              <a:t>대중교통 불편 </a:t>
+            </a:r>
+            <a:r>
+              <a:rPr lang="en-US" altLang="ko-KR" sz="1400" dirty="0"/>
+              <a:t>‘</a:t>
+            </a:r>
+            <a:r>
+              <a:rPr lang="ko-KR" altLang="en-US" sz="1400" dirty="0"/>
+              <a:t>한국 </a:t>
+            </a:r>
+            <a:r>
+              <a:rPr lang="en-US" altLang="ko-KR" sz="1400" dirty="0"/>
+              <a:t>15-20</a:t>
+            </a:r>
+            <a:r>
+              <a:rPr lang="ko-KR" altLang="en-US" sz="1400" dirty="0"/>
+              <a:t>대</a:t>
+            </a:r>
+            <a:r>
+              <a:rPr lang="en-US" altLang="ko-KR" sz="1400" dirty="0"/>
+              <a:t>’</a:t>
+            </a:r>
+          </a:p>
+          <a:p>
+            <a:endParaRPr lang="en-US" altLang="ko-KR" sz="1400" dirty="0"/>
+          </a:p>
+          <a:p>
+            <a:r>
+              <a:rPr lang="en-US" altLang="ko-KR" sz="1400" dirty="0"/>
+              <a:t>	-</a:t>
+            </a:r>
+            <a:r>
+              <a:rPr lang="ko-KR" altLang="en-US" sz="1400" dirty="0"/>
+              <a:t>여행 정보 얻기 어렵 </a:t>
+            </a:r>
+            <a:r>
+              <a:rPr lang="en-US" altLang="ko-KR" sz="1400" dirty="0"/>
+              <a:t>‘</a:t>
+            </a:r>
+            <a:r>
+              <a:rPr lang="ko-KR" altLang="en-US" sz="1400" dirty="0"/>
+              <a:t>외국 </a:t>
+            </a:r>
+            <a:r>
+              <a:rPr lang="en-US" altLang="ko-KR" sz="1400" dirty="0"/>
+              <a:t>61</a:t>
+            </a:r>
+            <a:r>
+              <a:rPr lang="ko-KR" altLang="en-US" sz="1400" dirty="0" err="1"/>
+              <a:t>세이상</a:t>
+            </a:r>
+            <a:r>
+              <a:rPr lang="en-US" altLang="ko-KR" sz="1400" dirty="0"/>
+              <a:t>’</a:t>
+            </a:r>
+          </a:p>
+          <a:p>
+            <a:r>
+              <a:rPr lang="en-US" altLang="ko-KR" sz="1400" dirty="0"/>
+              <a:t>	-</a:t>
+            </a:r>
+            <a:r>
+              <a:rPr lang="ko-KR" altLang="en-US" sz="1400" dirty="0" err="1"/>
+              <a:t>음식맛민감</a:t>
+            </a:r>
+            <a:r>
+              <a:rPr lang="ko-KR" altLang="en-US" sz="1400" dirty="0"/>
+              <a:t> </a:t>
+            </a:r>
+            <a:r>
+              <a:rPr lang="en-US" altLang="ko-KR" sz="1400" dirty="0"/>
+              <a:t>‘</a:t>
+            </a:r>
+            <a:r>
+              <a:rPr lang="ko-KR" altLang="en-US" sz="1400" dirty="0"/>
+              <a:t>외국 </a:t>
+            </a:r>
+            <a:r>
+              <a:rPr lang="en-US" altLang="ko-KR" sz="1400" dirty="0"/>
+              <a:t>51-60’</a:t>
+            </a:r>
+          </a:p>
+        </p:txBody>
+      </p:sp>
+    </p:spTree>
+    <p:extLst>
+      <p:ext uri="{BB962C8B-B14F-4D97-AF65-F5344CB8AC3E}">
+        <p14:creationId xmlns:p14="http://schemas.microsoft.com/office/powerpoint/2010/main" val="1589895746"/>
+      </p:ext>
+    </p:extLst>
+  </p:cSld>
+  <p:clrMapOvr>
+    <a:masterClrMapping/>
+  </p:clrMapOvr>
+</p:sld>
+</file>
+
+<file path=ppt/slides/slide26.xml><?xml version="1.0" encoding="utf-8"?>
+<p:sld xmlns:a="http://schemas.openxmlformats.org/drawingml/2006/main" xmlns:r="http://schemas.openxmlformats.org/officeDocument/2006/relationships" xmlns:p="http://schemas.openxmlformats.org/presentationml/2006/main">
+  <p:cSld>
+    <p:spTree>
+      <p:nvGrpSpPr>
+        <p:cNvPr id="1" name=""/>
+        <p:cNvGrpSpPr/>
+        <p:nvPr/>
+      </p:nvGrpSpPr>
+      <p:grpSpPr>
+        <a:xfrm>
+          <a:off x="0" y="0"/>
+          <a:ext cx="0" cy="0"/>
+          <a:chOff x="0" y="0"/>
+          <a:chExt cx="0" cy="0"/>
+        </a:xfrm>
+      </p:grpSpPr>
+      <p:pic>
+        <p:nvPicPr>
+          <p:cNvPr id="5" name="그림 4">
+            <a:extLst>
+              <a:ext uri="{FF2B5EF4-FFF2-40B4-BE49-F238E27FC236}">
+                <a16:creationId xmlns:a16="http://schemas.microsoft.com/office/drawing/2014/main" id="{111BAD1F-66A6-4504-8070-3024C9B7952B}"/>
+              </a:ext>
+            </a:extLst>
+          </p:cNvPr>
+          <p:cNvPicPr>
+            <a:picLocks noChangeAspect="1"/>
+          </p:cNvPicPr>
+          <p:nvPr/>
+        </p:nvPicPr>
+        <p:blipFill>
+          <a:blip r:embed="rId2">
+            <a:extLst>
+              <a:ext uri="{28A0092B-C50C-407E-A947-70E740481C1C}">
+                <a14:useLocalDpi xmlns:a14="http://schemas.microsoft.com/office/drawing/2010/main" val="0"/>
+              </a:ext>
+            </a:extLst>
+          </a:blip>
+          <a:stretch>
+            <a:fillRect/>
+          </a:stretch>
+        </p:blipFill>
+        <p:spPr>
+          <a:xfrm>
+            <a:off x="0" y="0"/>
+            <a:ext cx="8526065" cy="5896798"/>
+          </a:xfrm>
+          <a:prstGeom prst="rect">
+            <a:avLst/>
+          </a:prstGeom>
+        </p:spPr>
+      </p:pic>
+      <p:sp>
+        <p:nvSpPr>
+          <p:cNvPr id="6" name="TextBox 5">
+            <a:extLst>
+              <a:ext uri="{FF2B5EF4-FFF2-40B4-BE49-F238E27FC236}">
+                <a16:creationId xmlns:a16="http://schemas.microsoft.com/office/drawing/2014/main" id="{8C0F84E5-993C-4F0D-9A4B-93948CEA2189}"/>
+              </a:ext>
+            </a:extLst>
+          </p:cNvPr>
+          <p:cNvSpPr txBox="1"/>
+          <p:nvPr/>
+        </p:nvSpPr>
+        <p:spPr>
+          <a:xfrm>
+            <a:off x="7754540" y="165388"/>
+            <a:ext cx="3986989" cy="523220"/>
+          </a:xfrm>
+          <a:prstGeom prst="rect">
+            <a:avLst/>
+          </a:prstGeom>
+          <a:noFill/>
+        </p:spPr>
+        <p:txBody>
+          <a:bodyPr wrap="none" rtlCol="0">
+            <a:spAutoFit/>
+          </a:bodyPr>
+          <a:lstStyle/>
+          <a:p>
+            <a:r>
+              <a:rPr lang="en-US" altLang="ko-KR" sz="1400" dirty="0"/>
+              <a:t>*</a:t>
+            </a:r>
+            <a:r>
+              <a:rPr lang="ko-KR" altLang="en-US" sz="1400" dirty="0"/>
+              <a:t>여행형태별 </a:t>
+            </a:r>
+            <a:r>
+              <a:rPr lang="ko-KR" altLang="en-US" sz="1400" dirty="0" err="1"/>
+              <a:t>여행불만족요인</a:t>
+            </a:r>
+            <a:endParaRPr lang="en-US" altLang="ko-KR" sz="1400" dirty="0"/>
+          </a:p>
+          <a:p>
+            <a:r>
+              <a:rPr lang="en-US" altLang="ko-KR" sz="1400" dirty="0"/>
+              <a:t>	- </a:t>
+            </a:r>
+            <a:r>
+              <a:rPr lang="ko-KR" altLang="en-US" sz="1400" dirty="0" err="1"/>
+              <a:t>물가비싸다</a:t>
+            </a:r>
+            <a:r>
+              <a:rPr lang="ko-KR" altLang="en-US" sz="1400" dirty="0"/>
+              <a:t> 외에는 만족함 </a:t>
+            </a:r>
+            <a:r>
+              <a:rPr lang="en-US" altLang="ko-KR" sz="1400" dirty="0"/>
+              <a:t>‘</a:t>
+            </a:r>
+            <a:r>
+              <a:rPr lang="ko-KR" altLang="en-US" sz="1400" dirty="0"/>
+              <a:t>한국＇</a:t>
+            </a:r>
+            <a:endParaRPr lang="en-US" altLang="ko-KR" sz="1400" dirty="0"/>
+          </a:p>
+        </p:txBody>
+      </p:sp>
+    </p:spTree>
+    <p:extLst>
+      <p:ext uri="{BB962C8B-B14F-4D97-AF65-F5344CB8AC3E}">
+        <p14:creationId xmlns:p14="http://schemas.microsoft.com/office/powerpoint/2010/main" val="226011992"/>
+      </p:ext>
+    </p:extLst>
+  </p:cSld>
+  <p:clrMapOvr>
+    <a:masterClrMapping/>
+  </p:clrMapOvr>
+</p:sld>
+</file>
+
+<file path=ppt/slides/slide27.xml><?xml version="1.0" encoding="utf-8"?>
+<p:sld xmlns:a="http://schemas.openxmlformats.org/drawingml/2006/main" xmlns:r="http://schemas.openxmlformats.org/officeDocument/2006/relationships" xmlns:p="http://schemas.openxmlformats.org/presentationml/2006/main">
+  <p:cSld>
+    <p:spTree>
+      <p:nvGrpSpPr>
+        <p:cNvPr id="1" name=""/>
+        <p:cNvGrpSpPr/>
+        <p:nvPr/>
+      </p:nvGrpSpPr>
+      <p:grpSpPr>
+        <a:xfrm>
+          <a:off x="0" y="0"/>
+          <a:ext cx="0" cy="0"/>
+          <a:chOff x="0" y="0"/>
+          <a:chExt cx="0" cy="0"/>
+        </a:xfrm>
+      </p:grpSpPr>
+      <p:pic>
+        <p:nvPicPr>
+          <p:cNvPr id="5" name="그림 4">
+            <a:extLst>
+              <a:ext uri="{FF2B5EF4-FFF2-40B4-BE49-F238E27FC236}">
+                <a16:creationId xmlns:a16="http://schemas.microsoft.com/office/drawing/2014/main" id="{3490DD72-F489-4536-B2F3-18EDEC549748}"/>
+              </a:ext>
+            </a:extLst>
+          </p:cNvPr>
+          <p:cNvPicPr>
+            <a:picLocks noChangeAspect="1"/>
+          </p:cNvPicPr>
+          <p:nvPr/>
+        </p:nvPicPr>
+        <p:blipFill>
+          <a:blip r:embed="rId2">
+            <a:extLst>
+              <a:ext uri="{28A0092B-C50C-407E-A947-70E740481C1C}">
+                <a14:useLocalDpi xmlns:a14="http://schemas.microsoft.com/office/drawing/2010/main" val="0"/>
+              </a:ext>
+            </a:extLst>
+          </a:blip>
+          <a:stretch>
+            <a:fillRect/>
+          </a:stretch>
+        </p:blipFill>
+        <p:spPr>
+          <a:xfrm>
+            <a:off x="0" y="0"/>
+            <a:ext cx="4887007" cy="5896798"/>
+          </a:xfrm>
+          <a:prstGeom prst="rect">
+            <a:avLst/>
+          </a:prstGeom>
+        </p:spPr>
+      </p:pic>
+      <p:sp>
+        <p:nvSpPr>
+          <p:cNvPr id="6" name="TextBox 5">
+            <a:extLst>
+              <a:ext uri="{FF2B5EF4-FFF2-40B4-BE49-F238E27FC236}">
+                <a16:creationId xmlns:a16="http://schemas.microsoft.com/office/drawing/2014/main" id="{C3E84AE1-C3E6-4A31-9B15-4058818D3042}"/>
+              </a:ext>
+            </a:extLst>
+          </p:cNvPr>
+          <p:cNvSpPr txBox="1"/>
+          <p:nvPr/>
+        </p:nvSpPr>
+        <p:spPr>
+          <a:xfrm>
+            <a:off x="4243534" y="584851"/>
+            <a:ext cx="5791970" cy="954107"/>
+          </a:xfrm>
+          <a:prstGeom prst="rect">
+            <a:avLst/>
+          </a:prstGeom>
+          <a:noFill/>
+        </p:spPr>
+        <p:txBody>
+          <a:bodyPr wrap="none" rtlCol="0">
+            <a:spAutoFit/>
+          </a:bodyPr>
+          <a:lstStyle/>
+          <a:p>
+            <a:r>
+              <a:rPr lang="en-US" altLang="ko-KR" sz="1400" dirty="0"/>
+              <a:t>*</a:t>
+            </a:r>
+            <a:r>
+              <a:rPr lang="ko-KR" altLang="en-US" sz="1400" dirty="0"/>
+              <a:t>국내외</a:t>
+            </a:r>
+            <a:r>
+              <a:rPr lang="en-US" altLang="ko-KR" sz="1400" dirty="0"/>
+              <a:t>-</a:t>
+            </a:r>
+            <a:r>
+              <a:rPr lang="ko-KR" altLang="en-US" sz="1400" dirty="0"/>
+              <a:t>여행만족활동</a:t>
+            </a:r>
+            <a:endParaRPr lang="en-US" altLang="ko-KR" sz="1400" dirty="0"/>
+          </a:p>
+          <a:p>
+            <a:r>
+              <a:rPr lang="en-US" altLang="ko-KR" sz="1400" dirty="0"/>
+              <a:t>	- </a:t>
+            </a:r>
+            <a:r>
+              <a:rPr lang="ko-KR" altLang="en-US" sz="1400" dirty="0"/>
+              <a:t>대체적으로 자연경관감상이 높</a:t>
+            </a:r>
+            <a:endParaRPr lang="en-US" altLang="ko-KR" sz="1400" dirty="0"/>
+          </a:p>
+          <a:p>
+            <a:r>
+              <a:rPr lang="en-US" altLang="ko-KR" sz="1400" dirty="0"/>
+              <a:t>	- </a:t>
+            </a:r>
+            <a:r>
+              <a:rPr lang="ko-KR" altLang="en-US" sz="1400" dirty="0" err="1"/>
+              <a:t>맛집여행</a:t>
+            </a:r>
+            <a:r>
+              <a:rPr lang="en-US" altLang="ko-KR" sz="1400" dirty="0"/>
+              <a:t>, </a:t>
+            </a:r>
+            <a:r>
+              <a:rPr lang="ko-KR" altLang="en-US" sz="1400" dirty="0"/>
+              <a:t>트레킹</a:t>
+            </a:r>
+            <a:r>
+              <a:rPr lang="en-US" altLang="ko-KR" sz="1400" dirty="0"/>
+              <a:t>, </a:t>
+            </a:r>
+            <a:r>
+              <a:rPr lang="ko-KR" altLang="en-US" sz="1400" dirty="0"/>
+              <a:t>테마공원</a:t>
+            </a:r>
+            <a:r>
+              <a:rPr lang="en-US" altLang="ko-KR" sz="1400" dirty="0"/>
+              <a:t>, </a:t>
+            </a:r>
+            <a:r>
+              <a:rPr lang="ko-KR" altLang="en-US" sz="1400" dirty="0"/>
+              <a:t>유흥오락 고르게 분포 </a:t>
+            </a:r>
+            <a:r>
+              <a:rPr lang="en-US" altLang="ko-KR" sz="1400" dirty="0"/>
+              <a:t>: </a:t>
+            </a:r>
+            <a:r>
+              <a:rPr lang="ko-KR" altLang="en-US" sz="1400" dirty="0"/>
+              <a:t>한국</a:t>
+            </a:r>
+            <a:endParaRPr lang="en-US" altLang="ko-KR" sz="1400" dirty="0"/>
+          </a:p>
+          <a:p>
+            <a:r>
+              <a:rPr lang="en-US" altLang="ko-KR" sz="1400" dirty="0"/>
+              <a:t>	- </a:t>
+            </a:r>
+            <a:r>
+              <a:rPr lang="ko-KR" altLang="en-US" sz="1400" dirty="0"/>
+              <a:t>자연경관감상이 높</a:t>
+            </a:r>
+            <a:r>
+              <a:rPr lang="en-US" altLang="ko-KR" sz="1400" dirty="0"/>
+              <a:t>, </a:t>
+            </a:r>
+            <a:r>
+              <a:rPr lang="ko-KR" altLang="en-US" sz="1400" dirty="0"/>
+              <a:t>식도락</a:t>
+            </a:r>
+            <a:r>
+              <a:rPr lang="en-US" altLang="ko-KR" sz="1400" dirty="0"/>
+              <a:t>,</a:t>
+            </a:r>
+            <a:r>
+              <a:rPr lang="ko-KR" altLang="en-US" sz="1400" dirty="0"/>
+              <a:t>쇼핑 분포 </a:t>
+            </a:r>
+            <a:r>
+              <a:rPr lang="en-US" altLang="ko-KR" sz="1400" dirty="0"/>
+              <a:t>: </a:t>
+            </a:r>
+            <a:r>
+              <a:rPr lang="ko-KR" altLang="en-US" sz="1400" dirty="0"/>
+              <a:t>외국</a:t>
+            </a:r>
+            <a:r>
+              <a:rPr lang="en-US" altLang="ko-KR" sz="1400" dirty="0"/>
+              <a:t> </a:t>
+            </a:r>
+          </a:p>
+        </p:txBody>
+      </p:sp>
+    </p:spTree>
+    <p:extLst>
+      <p:ext uri="{BB962C8B-B14F-4D97-AF65-F5344CB8AC3E}">
+        <p14:creationId xmlns:p14="http://schemas.microsoft.com/office/powerpoint/2010/main" val="4227009999"/>
+      </p:ext>
+    </p:extLst>
+  </p:cSld>
+  <p:clrMapOvr>
+    <a:masterClrMapping/>
+  </p:clrMapOvr>
+</p:sld>
+</file>
+
+<file path=ppt/slides/slide28.xml><?xml version="1.0" encoding="utf-8"?>
+<p:sld xmlns:a="http://schemas.openxmlformats.org/drawingml/2006/main" xmlns:r="http://schemas.openxmlformats.org/officeDocument/2006/relationships" xmlns:p="http://schemas.openxmlformats.org/presentationml/2006/main">
+  <p:cSld>
+    <p:spTree>
+      <p:nvGrpSpPr>
+        <p:cNvPr id="1" name=""/>
+        <p:cNvGrpSpPr/>
+        <p:nvPr/>
+      </p:nvGrpSpPr>
+      <p:grpSpPr>
+        <a:xfrm>
+          <a:off x="0" y="0"/>
+          <a:ext cx="0" cy="0"/>
+          <a:chOff x="0" y="0"/>
+          <a:chExt cx="0" cy="0"/>
+        </a:xfrm>
+      </p:grpSpPr>
+    </p:spTree>
+    <p:extLst>
+      <p:ext uri="{BB962C8B-B14F-4D97-AF65-F5344CB8AC3E}">
+        <p14:creationId xmlns:p14="http://schemas.microsoft.com/office/powerpoint/2010/main" val="3427006127"/>
       </p:ext>
     </p:extLst>
   </p:cSld>
@@ -8995,279 +10643,46 @@
           <a:chExt cx="0" cy="0"/>
         </a:xfrm>
       </p:grpSpPr>
-      <p:sp>
-        <p:nvSpPr>
-          <p:cNvPr id="4" name="제목 1">
-            <a:extLst>
-              <a:ext uri="{FF2B5EF4-FFF2-40B4-BE49-F238E27FC236}">
-                <a16:creationId xmlns:a16="http://schemas.microsoft.com/office/drawing/2014/main" id="{93076415-67C4-4B59-841E-7766F6F6FFC9}"/>
-              </a:ext>
-            </a:extLst>
-          </p:cNvPr>
-          <p:cNvSpPr>
-            <a:spLocks noGrp="1"/>
-          </p:cNvSpPr>
-          <p:nvPr>
-            <p:ph type="title"/>
-          </p:nvPr>
-        </p:nvSpPr>
-        <p:spPr>
-          <a:xfrm>
-            <a:off x="838199" y="365125"/>
-            <a:ext cx="10922391" cy="1325563"/>
-          </a:xfrm>
-        </p:spPr>
-        <p:txBody>
-          <a:bodyPr>
-            <a:normAutofit/>
-          </a:bodyPr>
-          <a:lstStyle/>
-          <a:p>
-            <a:r>
-              <a:rPr lang="en-US" altLang="ko-KR" sz="4000" dirty="0"/>
-              <a:t>2. </a:t>
-            </a:r>
-            <a:r>
-              <a:rPr lang="ko-KR" altLang="en-US" sz="4000" dirty="0"/>
-              <a:t>여행목적 </a:t>
-            </a:r>
-            <a:r>
-              <a:rPr lang="en-US" altLang="ko-KR" sz="4000" dirty="0"/>
-              <a:t>– </a:t>
-            </a:r>
-            <a:r>
-              <a:rPr lang="ko-KR" altLang="en-US" sz="4000" dirty="0"/>
-              <a:t>한국오는 이유 알기</a:t>
-            </a:r>
-            <a:r>
-              <a:rPr lang="en-US" altLang="ko-KR" sz="4000" dirty="0"/>
-              <a:t>[2018</a:t>
-            </a:r>
-            <a:r>
-              <a:rPr lang="ko-KR" altLang="en-US" sz="4000" dirty="0"/>
-              <a:t>년 기준</a:t>
-            </a:r>
-            <a:r>
-              <a:rPr lang="en-US" altLang="ko-KR" sz="4000" dirty="0"/>
-              <a:t>]</a:t>
-            </a:r>
-            <a:endParaRPr lang="ko-KR" altLang="en-US" sz="4000" dirty="0"/>
-          </a:p>
-        </p:txBody>
-      </p:sp>
-      <p:sp>
-        <p:nvSpPr>
-          <p:cNvPr id="5" name="TextBox 4">
-            <a:extLst>
-              <a:ext uri="{FF2B5EF4-FFF2-40B4-BE49-F238E27FC236}">
-                <a16:creationId xmlns:a16="http://schemas.microsoft.com/office/drawing/2014/main" id="{595CF77D-C810-4589-95A4-B1CC1BAE2532}"/>
-              </a:ext>
-            </a:extLst>
-          </p:cNvPr>
-          <p:cNvSpPr txBox="1"/>
-          <p:nvPr/>
-        </p:nvSpPr>
-        <p:spPr>
-          <a:xfrm>
-            <a:off x="967408" y="1908313"/>
-            <a:ext cx="5166799" cy="3139321"/>
+      <p:pic>
+        <p:nvPicPr>
+          <p:cNvPr id="5" name="그림 4">
+            <a:extLst>
+              <a:ext uri="{FF2B5EF4-FFF2-40B4-BE49-F238E27FC236}">
+                <a16:creationId xmlns:a16="http://schemas.microsoft.com/office/drawing/2014/main" id="{AA6A8451-2154-4FF3-B2DC-4E1C04BF4AD3}"/>
+              </a:ext>
+            </a:extLst>
+          </p:cNvPr>
+          <p:cNvPicPr>
+            <a:picLocks noChangeAspect="1"/>
+          </p:cNvPicPr>
+          <p:nvPr/>
+        </p:nvPicPr>
+        <p:blipFill>
+          <a:blip r:embed="rId2">
+            <a:extLst>
+              <a:ext uri="{28A0092B-C50C-407E-A947-70E740481C1C}">
+                <a14:useLocalDpi xmlns:a14="http://schemas.microsoft.com/office/drawing/2010/main" val="0"/>
+              </a:ext>
+            </a:extLst>
+          </a:blip>
+          <a:stretch>
+            <a:fillRect/>
+          </a:stretch>
+        </p:blipFill>
+        <p:spPr>
+          <a:xfrm>
+            <a:off x="0" y="0"/>
+            <a:ext cx="7621064" cy="5868219"/>
           </a:xfrm>
           <a:prstGeom prst="rect">
             <a:avLst/>
           </a:prstGeom>
-          <a:noFill/>
-        </p:spPr>
-        <p:txBody>
-          <a:bodyPr wrap="none" rtlCol="0">
-            <a:spAutoFit/>
-          </a:bodyPr>
-          <a:lstStyle/>
-          <a:p>
-            <a:pPr marL="285750" indent="-285750">
-              <a:buFontTx/>
-              <a:buChar char="-"/>
-            </a:pPr>
-            <a:r>
-              <a:rPr lang="ko-KR" altLang="en-US" dirty="0"/>
-              <a:t>국적별</a:t>
-            </a:r>
-            <a:endParaRPr lang="en-US" altLang="ko-KR" dirty="0"/>
-          </a:p>
-          <a:p>
-            <a:pPr marL="742950" lvl="1" indent="-285750">
-              <a:buFontTx/>
-              <a:buChar char="-"/>
-            </a:pPr>
-            <a:r>
-              <a:rPr lang="ko-KR" altLang="en-US" dirty="0"/>
-              <a:t>한국</a:t>
-            </a:r>
-            <a:r>
-              <a:rPr lang="en-US" altLang="ko-KR" dirty="0"/>
-              <a:t>,</a:t>
-            </a:r>
-            <a:r>
-              <a:rPr lang="ko-KR" altLang="en-US" dirty="0"/>
-              <a:t>일본</a:t>
-            </a:r>
-            <a:r>
-              <a:rPr lang="en-US" altLang="ko-KR" dirty="0"/>
-              <a:t>,</a:t>
-            </a:r>
-            <a:r>
-              <a:rPr lang="ko-KR" altLang="en-US" dirty="0"/>
-              <a:t>중국</a:t>
-            </a:r>
-            <a:r>
-              <a:rPr lang="en-US" altLang="ko-KR" dirty="0"/>
-              <a:t>,</a:t>
-            </a:r>
-            <a:r>
-              <a:rPr lang="ko-KR" altLang="en-US" dirty="0" err="1"/>
-              <a:t>중화권</a:t>
-            </a:r>
-            <a:r>
-              <a:rPr lang="en-US" altLang="ko-KR" dirty="0"/>
-              <a:t>,</a:t>
-            </a:r>
-            <a:r>
-              <a:rPr lang="ko-KR" altLang="en-US" dirty="0"/>
-              <a:t>동남아</a:t>
-            </a:r>
-            <a:r>
-              <a:rPr lang="en-US" altLang="ko-KR" dirty="0"/>
-              <a:t>,</a:t>
-            </a:r>
-            <a:r>
-              <a:rPr lang="ko-KR" altLang="en-US" dirty="0" err="1"/>
-              <a:t>북미권</a:t>
-            </a:r>
-            <a:r>
-              <a:rPr lang="en-US" altLang="ko-KR" dirty="0"/>
-              <a:t>,</a:t>
-            </a:r>
-            <a:r>
-              <a:rPr lang="ko-KR" altLang="en-US" dirty="0"/>
-              <a:t>기타</a:t>
-            </a:r>
-            <a:endParaRPr lang="en-US" altLang="ko-KR" dirty="0"/>
-          </a:p>
-          <a:p>
-            <a:pPr marL="742950" lvl="1" indent="-285750">
-              <a:buFontTx/>
-              <a:buChar char="-"/>
-            </a:pPr>
-            <a:endParaRPr lang="en-US" altLang="ko-KR" dirty="0"/>
-          </a:p>
-          <a:p>
-            <a:pPr marL="285750" indent="-285750">
-              <a:buFontTx/>
-              <a:buChar char="-"/>
-            </a:pPr>
-            <a:r>
-              <a:rPr lang="ko-KR" altLang="en-US" dirty="0"/>
-              <a:t>성별</a:t>
-            </a:r>
-            <a:endParaRPr lang="en-US" altLang="ko-KR" dirty="0"/>
-          </a:p>
-          <a:p>
-            <a:pPr marL="742950" lvl="1" indent="-285750">
-              <a:buFontTx/>
-              <a:buChar char="-"/>
-            </a:pPr>
-            <a:r>
-              <a:rPr lang="ko-KR" altLang="en-US" dirty="0"/>
-              <a:t>내국인</a:t>
-            </a:r>
-            <a:r>
-              <a:rPr lang="en-US" altLang="ko-KR" dirty="0"/>
-              <a:t>,</a:t>
-            </a:r>
-            <a:r>
-              <a:rPr lang="ko-KR" altLang="en-US" dirty="0"/>
-              <a:t>외국인</a:t>
-            </a:r>
-            <a:endParaRPr lang="en-US" altLang="ko-KR" dirty="0"/>
-          </a:p>
-          <a:p>
-            <a:pPr marL="742950" lvl="1" indent="-285750">
-              <a:buFontTx/>
-              <a:buChar char="-"/>
-            </a:pPr>
-            <a:endParaRPr lang="en-US" altLang="ko-KR" dirty="0"/>
-          </a:p>
-          <a:p>
-            <a:pPr marL="285750" indent="-285750">
-              <a:buFontTx/>
-              <a:buChar char="-"/>
-            </a:pPr>
-            <a:r>
-              <a:rPr lang="ko-KR" altLang="en-US" dirty="0"/>
-              <a:t>연령별</a:t>
-            </a:r>
-            <a:endParaRPr lang="en-US" altLang="ko-KR" dirty="0"/>
-          </a:p>
-          <a:p>
-            <a:pPr marL="742950" lvl="1" indent="-285750">
-              <a:buFontTx/>
-              <a:buChar char="-"/>
-            </a:pPr>
-            <a:r>
-              <a:rPr lang="ko-KR" altLang="en-US" dirty="0"/>
-              <a:t>내국인</a:t>
-            </a:r>
-            <a:r>
-              <a:rPr lang="en-US" altLang="ko-KR" dirty="0"/>
-              <a:t>,</a:t>
-            </a:r>
-            <a:r>
-              <a:rPr lang="ko-KR" altLang="en-US" dirty="0"/>
-              <a:t>외국인</a:t>
-            </a:r>
-            <a:endParaRPr lang="en-US" altLang="ko-KR" dirty="0"/>
-          </a:p>
-          <a:p>
-            <a:pPr marL="742950" lvl="1" indent="-285750">
-              <a:buFontTx/>
-              <a:buChar char="-"/>
-            </a:pPr>
-            <a:endParaRPr lang="en-US" altLang="ko-KR" dirty="0"/>
-          </a:p>
-          <a:p>
-            <a:pPr marL="285750" indent="-285750">
-              <a:buFontTx/>
-              <a:buChar char="-"/>
-            </a:pPr>
-            <a:r>
-              <a:rPr lang="ko-KR" altLang="en-US" dirty="0"/>
-              <a:t>여행형태별</a:t>
-            </a:r>
-            <a:endParaRPr lang="en-US" altLang="ko-KR" dirty="0"/>
-          </a:p>
-          <a:p>
-            <a:pPr marL="742950" lvl="1" indent="-285750">
-              <a:buFontTx/>
-              <a:buChar char="-"/>
-            </a:pPr>
-            <a:r>
-              <a:rPr lang="ko-KR" altLang="en-US" dirty="0"/>
-              <a:t>내국인</a:t>
-            </a:r>
-            <a:r>
-              <a:rPr lang="en-US" altLang="ko-KR" dirty="0"/>
-              <a:t>,</a:t>
-            </a:r>
-            <a:r>
-              <a:rPr lang="ko-KR" altLang="en-US" dirty="0"/>
-              <a:t>외국인</a:t>
-            </a:r>
-          </a:p>
-        </p:txBody>
-      </p:sp>
+        </p:spPr>
+      </p:pic>
     </p:spTree>
     <p:extLst>
       <p:ext uri="{BB962C8B-B14F-4D97-AF65-F5344CB8AC3E}">
-        <p14:creationId xmlns:p14="http://schemas.microsoft.com/office/powerpoint/2010/main" val="670032708"/>
+        <p14:creationId xmlns:p14="http://schemas.microsoft.com/office/powerpoint/2010/main" val="1422882528"/>
       </p:ext>
     </p:extLst>
   </p:cSld>
@@ -9294,48 +10709,72 @@
           <a:chExt cx="0" cy="0"/>
         </a:xfrm>
       </p:grpSpPr>
-      <p:pic>
-        <p:nvPicPr>
-          <p:cNvPr id="5" name="그림 4">
-            <a:extLst>
-              <a:ext uri="{FF2B5EF4-FFF2-40B4-BE49-F238E27FC236}">
-                <a16:creationId xmlns:a16="http://schemas.microsoft.com/office/drawing/2014/main" id="{AB4145C8-831F-415F-9A7C-28AC6ED76CA6}"/>
-              </a:ext>
-            </a:extLst>
-          </p:cNvPr>
-          <p:cNvPicPr>
-            <a:picLocks noChangeAspect="1"/>
-          </p:cNvPicPr>
-          <p:nvPr/>
-        </p:nvPicPr>
-        <p:blipFill>
-          <a:blip r:embed="rId2">
-            <a:extLst>
-              <a:ext uri="{28A0092B-C50C-407E-A947-70E740481C1C}">
-                <a14:useLocalDpi xmlns:a14="http://schemas.microsoft.com/office/drawing/2010/main" val="0"/>
-              </a:ext>
-            </a:extLst>
-          </a:blip>
-          <a:stretch>
-            <a:fillRect/>
-          </a:stretch>
-        </p:blipFill>
-        <p:spPr>
-          <a:xfrm>
-            <a:off x="0" y="0"/>
-            <a:ext cx="6868484" cy="5868219"/>
-          </a:xfrm>
-          <a:prstGeom prst="rect">
-            <a:avLst/>
-          </a:prstGeom>
-        </p:spPr>
-      </p:pic>
       <p:sp>
         <p:nvSpPr>
-          <p:cNvPr id="6" name="TextBox 5">
-            <a:extLst>
-              <a:ext uri="{FF2B5EF4-FFF2-40B4-BE49-F238E27FC236}">
-                <a16:creationId xmlns:a16="http://schemas.microsoft.com/office/drawing/2014/main" id="{41664C86-4229-4359-AFEE-B668DA7F22DC}"/>
+          <p:cNvPr id="4" name="제목 1">
+            <a:extLst>
+              <a:ext uri="{FF2B5EF4-FFF2-40B4-BE49-F238E27FC236}">
+                <a16:creationId xmlns:a16="http://schemas.microsoft.com/office/drawing/2014/main" id="{93076415-67C4-4B59-841E-7766F6F6FFC9}"/>
+              </a:ext>
+            </a:extLst>
+          </p:cNvPr>
+          <p:cNvSpPr>
+            <a:spLocks noGrp="1"/>
+          </p:cNvSpPr>
+          <p:nvPr>
+            <p:ph type="title"/>
+          </p:nvPr>
+        </p:nvSpPr>
+        <p:spPr>
+          <a:xfrm>
+            <a:off x="838199" y="365125"/>
+            <a:ext cx="10922391" cy="1325563"/>
+          </a:xfrm>
+        </p:spPr>
+        <p:txBody>
+          <a:bodyPr>
+            <a:normAutofit/>
+          </a:bodyPr>
+          <a:lstStyle/>
+          <a:p>
+            <a:r>
+              <a:rPr lang="en-US" altLang="ko-KR" sz="4000" dirty="0"/>
+              <a:t>2. </a:t>
+            </a:r>
+            <a:r>
+              <a:rPr lang="ko-KR" altLang="en-US" sz="4000" dirty="0"/>
+              <a:t>여행목적 </a:t>
+            </a:r>
+            <a:r>
+              <a:rPr lang="en-US" altLang="ko-KR" sz="4000" dirty="0"/>
+              <a:t>– </a:t>
+            </a:r>
+            <a:r>
+              <a:rPr lang="ko-KR" altLang="en-US" sz="4000" dirty="0"/>
+              <a:t>한국오는 이유 알기</a:t>
+            </a:r>
+            <a:r>
+              <a:rPr lang="en-US" altLang="ko-KR" sz="4000" dirty="0"/>
+              <a:t>[2018</a:t>
+            </a:r>
+            <a:r>
+              <a:rPr lang="ko-KR" altLang="en-US" sz="4000" dirty="0"/>
+              <a:t>년 기준</a:t>
+            </a:r>
+            <a:r>
+              <a:rPr lang="en-US" altLang="ko-KR" sz="4000" dirty="0"/>
+              <a:t>]</a:t>
+            </a:r>
+            <a:endParaRPr lang="ko-KR" altLang="en-US" sz="4000" dirty="0"/>
+          </a:p>
+        </p:txBody>
+      </p:sp>
+      <p:sp>
+        <p:nvSpPr>
+          <p:cNvPr id="5" name="TextBox 4">
+            <a:extLst>
+              <a:ext uri="{FF2B5EF4-FFF2-40B4-BE49-F238E27FC236}">
+                <a16:creationId xmlns:a16="http://schemas.microsoft.com/office/drawing/2014/main" id="{595CF77D-C810-4589-95A4-B1CC1BAE2532}"/>
               </a:ext>
             </a:extLst>
           </p:cNvPr>
@@ -9344,8 +10783,8 @@
         </p:nvSpPr>
         <p:spPr>
           <a:xfrm>
-            <a:off x="6400859" y="514121"/>
-            <a:ext cx="5125121" cy="738664"/>
+            <a:off x="967408" y="1908313"/>
+            <a:ext cx="5166799" cy="3139321"/>
           </a:xfrm>
           <a:prstGeom prst="rect">
             <a:avLst/>
@@ -9358,43 +10797,183 @@
           </a:bodyPr>
           <a:lstStyle/>
           <a:p>
-            <a:r>
-              <a:rPr lang="en-US" altLang="ko-KR" sz="1400" dirty="0"/>
-              <a:t>*</a:t>
-            </a:r>
-            <a:r>
-              <a:rPr lang="ko-KR" altLang="en-US" sz="1400" dirty="0"/>
-              <a:t>국적별 한국 여행 목적</a:t>
-            </a:r>
-            <a:endParaRPr lang="en-US" altLang="ko-KR" sz="1400" dirty="0"/>
-          </a:p>
-          <a:p>
-            <a:r>
-              <a:rPr lang="en-US" altLang="ko-KR" sz="1400" dirty="0"/>
-              <a:t>	- </a:t>
-            </a:r>
-            <a:r>
-              <a:rPr lang="ko-KR" altLang="en-US" sz="1400" dirty="0"/>
-              <a:t>중국은 쇼핑의 목적이 상대적으로 높음</a:t>
-            </a:r>
-            <a:endParaRPr lang="en-US" altLang="ko-KR" sz="1400" dirty="0"/>
-          </a:p>
-          <a:p>
-            <a:r>
-              <a:rPr lang="en-US" altLang="ko-KR" sz="1400" dirty="0"/>
-              <a:t>	- </a:t>
-            </a:r>
-            <a:r>
-              <a:rPr lang="ko-KR" altLang="en-US" sz="1400" dirty="0"/>
-              <a:t>일본은 친구</a:t>
-            </a:r>
-            <a:r>
-              <a:rPr lang="en-US" altLang="ko-KR" sz="1400" dirty="0"/>
+            <a:pPr marL="285750" indent="-285750">
+              <a:buFontTx/>
+              <a:buChar char="-"/>
+            </a:pPr>
+            <a:r>
+              <a:rPr lang="ko-KR" altLang="en-US" dirty="0"/>
+              <a:t>국적별</a:t>
+            </a:r>
+            <a:endParaRPr lang="en-US" altLang="ko-KR" dirty="0"/>
+          </a:p>
+          <a:p>
+            <a:pPr marL="742950" lvl="1" indent="-285750">
+              <a:buFontTx/>
+              <a:buChar char="-"/>
+            </a:pPr>
+            <a:r>
+              <a:rPr lang="ko-KR" altLang="en-US" dirty="0"/>
+              <a:t>한국</a:t>
+            </a:r>
+            <a:r>
+              <a:rPr lang="en-US" altLang="ko-KR" dirty="0"/>
               <a:t>,</a:t>
             </a:r>
             <a:r>
-              <a:rPr lang="ko-KR" altLang="en-US" sz="1400" dirty="0"/>
-              <a:t>친지방문의 목적이 상대적으로 높음</a:t>
+              <a:rPr lang="ko-KR" altLang="en-US" dirty="0"/>
+              <a:t>일본</a:t>
+            </a:r>
+            <a:r>
+              <a:rPr lang="en-US" altLang="ko-KR" dirty="0"/>
+              <a:t>,</a:t>
+            </a:r>
+            <a:r>
+              <a:rPr lang="ko-KR" altLang="en-US" dirty="0"/>
+              <a:t>중국</a:t>
+            </a:r>
+            <a:r>
+              <a:rPr lang="en-US" altLang="ko-KR" dirty="0"/>
+              <a:t>,</a:t>
+            </a:r>
+            <a:r>
+              <a:rPr lang="ko-KR" altLang="en-US" dirty="0" err="1"/>
+              <a:t>중화권</a:t>
+            </a:r>
+            <a:r>
+              <a:rPr lang="en-US" altLang="ko-KR" dirty="0"/>
+              <a:t>,</a:t>
+            </a:r>
+            <a:r>
+              <a:rPr lang="ko-KR" altLang="en-US" dirty="0"/>
+              <a:t>동남아</a:t>
+            </a:r>
+            <a:r>
+              <a:rPr lang="en-US" altLang="ko-KR" dirty="0"/>
+              <a:t>,</a:t>
+            </a:r>
+            <a:r>
+              <a:rPr lang="ko-KR" altLang="en-US" dirty="0" err="1"/>
+              <a:t>북미권</a:t>
+            </a:r>
+            <a:r>
+              <a:rPr lang="en-US" altLang="ko-KR" dirty="0"/>
+              <a:t>,</a:t>
+            </a:r>
+            <a:r>
+              <a:rPr lang="ko-KR" altLang="en-US" dirty="0"/>
+              <a:t>기타</a:t>
+            </a:r>
+            <a:endParaRPr lang="en-US" altLang="ko-KR" dirty="0"/>
+          </a:p>
+          <a:p>
+            <a:pPr marL="742950" lvl="1" indent="-285750">
+              <a:buFontTx/>
+              <a:buChar char="-"/>
+            </a:pPr>
+            <a:endParaRPr lang="en-US" altLang="ko-KR" dirty="0"/>
+          </a:p>
+          <a:p>
+            <a:pPr marL="285750" indent="-285750">
+              <a:buFontTx/>
+              <a:buChar char="-"/>
+            </a:pPr>
+            <a:r>
+              <a:rPr lang="ko-KR" altLang="en-US" dirty="0"/>
+              <a:t>성별</a:t>
+            </a:r>
+            <a:endParaRPr lang="en-US" altLang="ko-KR" dirty="0"/>
+          </a:p>
+          <a:p>
+            <a:pPr marL="742950" lvl="1" indent="-285750">
+              <a:buFontTx/>
+              <a:buChar char="-"/>
+            </a:pPr>
+            <a:r>
+              <a:rPr lang="ko-KR" altLang="en-US" dirty="0"/>
+              <a:t>내국인</a:t>
+            </a:r>
+            <a:r>
+              <a:rPr lang="en-US" altLang="ko-KR" dirty="0"/>
+              <a:t>,</a:t>
+            </a:r>
+            <a:r>
+              <a:rPr lang="ko-KR" altLang="en-US" dirty="0"/>
+              <a:t>외국인</a:t>
+            </a:r>
+            <a:endParaRPr lang="en-US" altLang="ko-KR" dirty="0"/>
+          </a:p>
+          <a:p>
+            <a:pPr marL="742950" lvl="1" indent="-285750">
+              <a:buFontTx/>
+              <a:buChar char="-"/>
+            </a:pPr>
+            <a:endParaRPr lang="en-US" altLang="ko-KR" dirty="0"/>
+          </a:p>
+          <a:p>
+            <a:pPr marL="285750" indent="-285750">
+              <a:buFontTx/>
+              <a:buChar char="-"/>
+            </a:pPr>
+            <a:r>
+              <a:rPr lang="ko-KR" altLang="en-US" dirty="0"/>
+              <a:t>연령별</a:t>
+            </a:r>
+            <a:endParaRPr lang="en-US" altLang="ko-KR" dirty="0"/>
+          </a:p>
+          <a:p>
+            <a:pPr marL="742950" lvl="1" indent="-285750">
+              <a:buFontTx/>
+              <a:buChar char="-"/>
+            </a:pPr>
+            <a:r>
+              <a:rPr lang="ko-KR" altLang="en-US" dirty="0"/>
+              <a:t>내국인</a:t>
+            </a:r>
+            <a:r>
+              <a:rPr lang="en-US" altLang="ko-KR" dirty="0"/>
+              <a:t>,</a:t>
+            </a:r>
+            <a:r>
+              <a:rPr lang="ko-KR" altLang="en-US" dirty="0"/>
+              <a:t>외국인</a:t>
+            </a:r>
+            <a:endParaRPr lang="en-US" altLang="ko-KR" dirty="0"/>
+          </a:p>
+          <a:p>
+            <a:pPr marL="742950" lvl="1" indent="-285750">
+              <a:buFontTx/>
+              <a:buChar char="-"/>
+            </a:pPr>
+            <a:endParaRPr lang="en-US" altLang="ko-KR" dirty="0"/>
+          </a:p>
+          <a:p>
+            <a:pPr marL="285750" indent="-285750">
+              <a:buFontTx/>
+              <a:buChar char="-"/>
+            </a:pPr>
+            <a:r>
+              <a:rPr lang="ko-KR" altLang="en-US" dirty="0"/>
+              <a:t>여행형태별</a:t>
+            </a:r>
+            <a:endParaRPr lang="en-US" altLang="ko-KR" dirty="0"/>
+          </a:p>
+          <a:p>
+            <a:pPr marL="742950" lvl="1" indent="-285750">
+              <a:buFontTx/>
+              <a:buChar char="-"/>
+            </a:pPr>
+            <a:r>
+              <a:rPr lang="ko-KR" altLang="en-US" dirty="0"/>
+              <a:t>내국인</a:t>
+            </a:r>
+            <a:r>
+              <a:rPr lang="en-US" altLang="ko-KR" dirty="0"/>
+              <a:t>,</a:t>
+            </a:r>
+            <a:r>
+              <a:rPr lang="ko-KR" altLang="en-US" dirty="0"/>
+              <a:t>외국인</a:t>
             </a:r>
           </a:p>
         </p:txBody>
@@ -9402,7 +10981,7 @@
     </p:spTree>
     <p:extLst>
       <p:ext uri="{BB962C8B-B14F-4D97-AF65-F5344CB8AC3E}">
-        <p14:creationId xmlns:p14="http://schemas.microsoft.com/office/powerpoint/2010/main" val="1926761305"/>
+        <p14:creationId xmlns:p14="http://schemas.microsoft.com/office/powerpoint/2010/main" val="670032708"/>
       </p:ext>
     </p:extLst>
   </p:cSld>
@@ -9434,7 +11013,7 @@
           <p:cNvPr id="5" name="그림 4">
             <a:extLst>
               <a:ext uri="{FF2B5EF4-FFF2-40B4-BE49-F238E27FC236}">
-                <a16:creationId xmlns:a16="http://schemas.microsoft.com/office/drawing/2014/main" id="{97EE54A1-6262-4392-BE8C-08FAF8F87C5A}"/>
+                <a16:creationId xmlns:a16="http://schemas.microsoft.com/office/drawing/2014/main" id="{AB4145C8-831F-415F-9A7C-28AC6ED76CA6}"/>
               </a:ext>
             </a:extLst>
           </p:cNvPr>
@@ -9470,7 +11049,7 @@
           <p:cNvPr id="6" name="TextBox 5">
             <a:extLst>
               <a:ext uri="{FF2B5EF4-FFF2-40B4-BE49-F238E27FC236}">
-                <a16:creationId xmlns:a16="http://schemas.microsoft.com/office/drawing/2014/main" id="{5AE7081A-28F5-4330-9B60-884CFCD84D41}"/>
+                <a16:creationId xmlns:a16="http://schemas.microsoft.com/office/drawing/2014/main" id="{41664C86-4229-4359-AFEE-B668DA7F22DC}"/>
               </a:ext>
             </a:extLst>
           </p:cNvPr>
@@ -9480,7 +11059,7 @@
         <p:spPr>
           <a:xfrm>
             <a:off x="6400859" y="514121"/>
-            <a:ext cx="4745210" cy="954107"/>
+            <a:ext cx="5165197" cy="954107"/>
           </a:xfrm>
           <a:prstGeom prst="rect">
             <a:avLst/>
@@ -9499,7 +11078,7 @@
             </a:r>
             <a:r>
               <a:rPr lang="ko-KR" altLang="en-US" sz="1400" dirty="0"/>
-              <a:t>성별 한국 여행 목적</a:t>
+              <a:t>국적별 한국 여행 목적</a:t>
             </a:r>
             <a:endParaRPr lang="en-US" altLang="ko-KR" sz="1400" dirty="0"/>
           </a:p>
@@ -9510,7 +11089,18 @@
             </a:r>
             <a:r>
               <a:rPr lang="ko-KR" altLang="en-US" sz="1400" dirty="0"/>
-              <a:t>학술</a:t>
+              <a:t>중국은 쇼핑의 목적이 상대적으로 높음</a:t>
+            </a:r>
+            <a:endParaRPr lang="en-US" altLang="ko-KR" sz="1400" dirty="0"/>
+          </a:p>
+          <a:p>
+            <a:r>
+              <a:rPr lang="en-US" altLang="ko-KR" sz="1400" dirty="0"/>
+              <a:t>	- </a:t>
+            </a:r>
+            <a:r>
+              <a:rPr lang="ko-KR" altLang="en-US" sz="1400" dirty="0"/>
+              <a:t>일본은 친구</a:t>
             </a:r>
             <a:r>
               <a:rPr lang="en-US" altLang="ko-KR" sz="1400" dirty="0"/>
@@ -9518,7 +11108,21 @@
             </a:r>
             <a:r>
               <a:rPr lang="ko-KR" altLang="en-US" sz="1400" dirty="0"/>
-              <a:t>세미나활동이 상대적으로 높은 </a:t>
+              <a:t>친지방문의 목적이 상대적으로 높음</a:t>
+            </a:r>
+            <a:r>
+              <a:rPr lang="en-US" altLang="ko-KR" sz="1400" dirty="0"/>
+              <a:t>,</a:t>
+            </a:r>
+          </a:p>
+          <a:p>
+            <a:r>
+              <a:rPr lang="en-US" altLang="ko-KR" sz="1400" dirty="0"/>
+              <a:t>	- </a:t>
+            </a:r>
+            <a:r>
+              <a:rPr lang="ko-KR" altLang="en-US" sz="1400" dirty="0"/>
+              <a:t>신혼여행 </a:t>
             </a:r>
             <a:r>
               <a:rPr lang="en-US" altLang="ko-KR" sz="1400" dirty="0"/>
@@ -9526,54 +11130,27 @@
             </a:r>
             <a:r>
               <a:rPr lang="ko-KR" altLang="en-US" sz="1400" dirty="0"/>
-              <a:t>남성＇</a:t>
-            </a:r>
-            <a:endParaRPr lang="en-US" altLang="ko-KR" sz="1400" dirty="0"/>
-          </a:p>
-          <a:p>
-            <a:r>
-              <a:rPr lang="en-US" altLang="ko-KR" sz="1400" dirty="0"/>
-              <a:t>	-</a:t>
-            </a:r>
-            <a:r>
-              <a:rPr lang="ko-KR" altLang="en-US" sz="1400" dirty="0"/>
-              <a:t> 대체적으로 쇼핑이 높은 </a:t>
-            </a:r>
-            <a:r>
-              <a:rPr lang="en-US" altLang="ko-KR" sz="1400" dirty="0"/>
-              <a:t>‘</a:t>
-            </a:r>
-            <a:r>
-              <a:rPr lang="ko-KR" altLang="en-US" sz="1400" dirty="0"/>
-              <a:t>외국인‘</a:t>
-            </a:r>
-            <a:endParaRPr lang="en-US" altLang="ko-KR" sz="1400" dirty="0"/>
-          </a:p>
-          <a:p>
-            <a:r>
-              <a:rPr lang="en-US" altLang="ko-KR" sz="1400" dirty="0"/>
-              <a:t>	- </a:t>
-            </a:r>
-            <a:r>
-              <a:rPr lang="ko-KR" altLang="en-US" sz="1400" dirty="0"/>
-              <a:t>쇼핑이 상대적으로 높은 </a:t>
-            </a:r>
-            <a:r>
-              <a:rPr lang="en-US" altLang="ko-KR" sz="1400" dirty="0"/>
-              <a:t>‘</a:t>
-            </a:r>
-            <a:r>
-              <a:rPr lang="ko-KR" altLang="en-US" sz="1400" dirty="0"/>
-              <a:t>외국인 여성＇</a:t>
-            </a:r>
-            <a:endParaRPr lang="en-US" altLang="ko-KR" sz="1400" dirty="0"/>
+              <a:t>동남아권</a:t>
+            </a:r>
+            <a:r>
+              <a:rPr lang="en-US" altLang="ko-KR" sz="1400" dirty="0"/>
+              <a:t>’, ’</a:t>
+            </a:r>
+            <a:r>
+              <a:rPr lang="ko-KR" altLang="en-US" sz="1400" dirty="0" err="1"/>
+              <a:t>북미권</a:t>
+            </a:r>
+            <a:r>
+              <a:rPr lang="ko-KR" altLang="en-US" sz="1400" dirty="0"/>
+              <a:t>＇</a:t>
+            </a:r>
           </a:p>
         </p:txBody>
       </p:sp>
     </p:spTree>
     <p:extLst>
       <p:ext uri="{BB962C8B-B14F-4D97-AF65-F5344CB8AC3E}">
-        <p14:creationId xmlns:p14="http://schemas.microsoft.com/office/powerpoint/2010/main" val="2163969515"/>
+        <p14:creationId xmlns:p14="http://schemas.microsoft.com/office/powerpoint/2010/main" val="1926761305"/>
       </p:ext>
     </p:extLst>
   </p:cSld>
@@ -9605,7 +11182,7 @@
           <p:cNvPr id="5" name="그림 4">
             <a:extLst>
               <a:ext uri="{FF2B5EF4-FFF2-40B4-BE49-F238E27FC236}">
-                <a16:creationId xmlns:a16="http://schemas.microsoft.com/office/drawing/2014/main" id="{ADEC0FE4-B0B8-46AE-A29D-435935325D18}"/>
+                <a16:creationId xmlns:a16="http://schemas.microsoft.com/office/drawing/2014/main" id="{97EE54A1-6262-4392-BE8C-08FAF8F87C5A}"/>
               </a:ext>
             </a:extLst>
           </p:cNvPr>
@@ -9629,7 +11206,7 @@
         <p:spPr>
           <a:xfrm>
             <a:off x="0" y="0"/>
-            <a:ext cx="11012437" cy="5868219"/>
+            <a:ext cx="6868484" cy="5868219"/>
           </a:xfrm>
           <a:prstGeom prst="rect">
             <a:avLst/>
@@ -9641,7 +11218,7 @@
           <p:cNvPr id="6" name="TextBox 5">
             <a:extLst>
               <a:ext uri="{FF2B5EF4-FFF2-40B4-BE49-F238E27FC236}">
-                <a16:creationId xmlns:a16="http://schemas.microsoft.com/office/drawing/2014/main" id="{BFFC9DA2-AD74-4DB7-8514-592620813DD8}"/>
+                <a16:creationId xmlns:a16="http://schemas.microsoft.com/office/drawing/2014/main" id="{5AE7081A-28F5-4330-9B60-884CFCD84D41}"/>
               </a:ext>
             </a:extLst>
           </p:cNvPr>
@@ -9650,8 +11227,8 @@
         </p:nvSpPr>
         <p:spPr>
           <a:xfrm>
-            <a:off x="7179212" y="5727542"/>
-            <a:ext cx="4759636" cy="954107"/>
+            <a:off x="6400859" y="514121"/>
+            <a:ext cx="4745210" cy="954107"/>
           </a:xfrm>
           <a:prstGeom prst="rect">
             <a:avLst/>
@@ -9670,7 +11247,7 @@
             </a:r>
             <a:r>
               <a:rPr lang="ko-KR" altLang="en-US" sz="1400" dirty="0"/>
-              <a:t>연령별 한국 여행 목적</a:t>
+              <a:t>성별 한국 여행 목적</a:t>
             </a:r>
             <a:endParaRPr lang="en-US" altLang="ko-KR" sz="1400" dirty="0"/>
           </a:p>
@@ -9681,7 +11258,15 @@
             </a:r>
             <a:r>
               <a:rPr lang="ko-KR" altLang="en-US" sz="1400" dirty="0"/>
-              <a:t>쇼핑이 비교적 높은 </a:t>
+              <a:t>학술</a:t>
+            </a:r>
+            <a:r>
+              <a:rPr lang="en-US" altLang="ko-KR" sz="1400" dirty="0"/>
+              <a:t>,</a:t>
+            </a:r>
+            <a:r>
+              <a:rPr lang="ko-KR" altLang="en-US" sz="1400" dirty="0"/>
+              <a:t>세미나활동이 상대적으로 높은 </a:t>
             </a:r>
             <a:r>
               <a:rPr lang="en-US" altLang="ko-KR" sz="1400" dirty="0"/>
@@ -9689,20 +11274,28 @@
             </a:r>
             <a:r>
               <a:rPr lang="ko-KR" altLang="en-US" sz="1400" dirty="0"/>
-              <a:t>외국 </a:t>
-            </a:r>
-            <a:r>
-              <a:rPr lang="en-US" altLang="ko-KR" sz="1400" dirty="0"/>
-              <a:t>15~50</a:t>
-            </a:r>
-            <a:r>
-              <a:rPr lang="ko-KR" altLang="en-US" sz="1400" dirty="0"/>
-              <a:t>세</a:t>
-            </a:r>
-            <a:r>
-              <a:rPr lang="en-US" altLang="ko-KR" sz="1400" dirty="0"/>
-              <a:t>’</a:t>
-            </a:r>
+              <a:t>남성＇</a:t>
+            </a:r>
+            <a:endParaRPr lang="en-US" altLang="ko-KR" sz="1400" dirty="0"/>
+          </a:p>
+          <a:p>
+            <a:r>
+              <a:rPr lang="en-US" altLang="ko-KR" sz="1400" dirty="0"/>
+              <a:t>	-</a:t>
+            </a:r>
+            <a:r>
+              <a:rPr lang="ko-KR" altLang="en-US" sz="1400" dirty="0"/>
+              <a:t> 대체적으로 쇼핑이 높은 </a:t>
+            </a:r>
+            <a:r>
+              <a:rPr lang="en-US" altLang="ko-KR" sz="1400" dirty="0"/>
+              <a:t>‘</a:t>
+            </a:r>
+            <a:r>
+              <a:rPr lang="ko-KR" altLang="en-US" sz="1400" dirty="0"/>
+              <a:t>외국인‘</a:t>
+            </a:r>
+            <a:endParaRPr lang="en-US" altLang="ko-KR" sz="1400" dirty="0"/>
           </a:p>
           <a:p>
             <a:r>
@@ -9711,15 +11304,7 @@
             </a:r>
             <a:r>
               <a:rPr lang="ko-KR" altLang="en-US" sz="1400" dirty="0"/>
-              <a:t>학술</a:t>
-            </a:r>
-            <a:r>
-              <a:rPr lang="en-US" altLang="ko-KR" sz="1400" dirty="0"/>
-              <a:t>, </a:t>
-            </a:r>
-            <a:r>
-              <a:rPr lang="ko-KR" altLang="en-US" sz="1400" dirty="0"/>
-              <a:t>세미나 활동이 비교적 높은 </a:t>
+              <a:t>쇼핑이 상대적으로 높은 </a:t>
             </a:r>
             <a:r>
               <a:rPr lang="en-US" altLang="ko-KR" sz="1400" dirty="0"/>
@@ -9727,33 +11312,16 @@
             </a:r>
             <a:r>
               <a:rPr lang="ko-KR" altLang="en-US" sz="1400" dirty="0"/>
-              <a:t>내국 </a:t>
-            </a:r>
-            <a:r>
-              <a:rPr lang="en-US" altLang="ko-KR" sz="1400" dirty="0"/>
-              <a:t>31~’</a:t>
-            </a:r>
-          </a:p>
-          <a:p>
-            <a:r>
-              <a:rPr lang="en-US" altLang="ko-KR" sz="1400" dirty="0"/>
-              <a:t>				‘</a:t>
-            </a:r>
-            <a:r>
-              <a:rPr lang="ko-KR" altLang="en-US" sz="1400" dirty="0"/>
-              <a:t>외국 </a:t>
-            </a:r>
-            <a:r>
-              <a:rPr lang="en-US" altLang="ko-KR" sz="1400" dirty="0"/>
-              <a:t>51~’</a:t>
-            </a:r>
+              <a:t>외국인 여성＇</a:t>
+            </a:r>
+            <a:endParaRPr lang="en-US" altLang="ko-KR" sz="1400" dirty="0"/>
           </a:p>
         </p:txBody>
       </p:sp>
     </p:spTree>
     <p:extLst>
       <p:ext uri="{BB962C8B-B14F-4D97-AF65-F5344CB8AC3E}">
-        <p14:creationId xmlns:p14="http://schemas.microsoft.com/office/powerpoint/2010/main" val="1217037591"/>
+        <p14:creationId xmlns:p14="http://schemas.microsoft.com/office/powerpoint/2010/main" val="2163969515"/>
       </p:ext>
     </p:extLst>
   </p:cSld>
@@ -9782,19 +11350,17 @@
       </p:grpSpPr>
       <p:pic>
         <p:nvPicPr>
-          <p:cNvPr id="5" name="내용 개체 틀 4">
-            <a:extLst>
-              <a:ext uri="{FF2B5EF4-FFF2-40B4-BE49-F238E27FC236}">
-                <a16:creationId xmlns:a16="http://schemas.microsoft.com/office/drawing/2014/main" id="{6B651298-979E-4569-A26F-5D88F92A0197}"/>
+          <p:cNvPr id="5" name="그림 4">
+            <a:extLst>
+              <a:ext uri="{FF2B5EF4-FFF2-40B4-BE49-F238E27FC236}">
+                <a16:creationId xmlns:a16="http://schemas.microsoft.com/office/drawing/2014/main" id="{ADEC0FE4-B0B8-46AE-A29D-435935325D18}"/>
               </a:ext>
             </a:extLst>
           </p:cNvPr>
           <p:cNvPicPr>
-            <a:picLocks noGrp="1" noChangeAspect="1"/>
+            <a:picLocks noChangeAspect="1"/>
           </p:cNvPicPr>
-          <p:nvPr>
-            <p:ph idx="1"/>
-          </p:nvPr>
+          <p:nvPr/>
         </p:nvPicPr>
         <p:blipFill>
           <a:blip r:embed="rId2">
@@ -9811,8 +11377,11 @@
         <p:spPr>
           <a:xfrm>
             <a:off x="0" y="0"/>
-            <a:ext cx="8223570" cy="5106572"/>
-          </a:xfrm>
+            <a:ext cx="11012437" cy="5868219"/>
+          </a:xfrm>
+          <a:prstGeom prst="rect">
+            <a:avLst/>
+          </a:prstGeom>
         </p:spPr>
       </p:pic>
       <p:sp>
@@ -9820,7 +11389,7 @@
           <p:cNvPr id="6" name="TextBox 5">
             <a:extLst>
               <a:ext uri="{FF2B5EF4-FFF2-40B4-BE49-F238E27FC236}">
-                <a16:creationId xmlns:a16="http://schemas.microsoft.com/office/drawing/2014/main" id="{EC1E469E-9F0F-4C2C-AD33-97F83BA26775}"/>
+                <a16:creationId xmlns:a16="http://schemas.microsoft.com/office/drawing/2014/main" id="{BFFC9DA2-AD74-4DB7-8514-592620813DD8}"/>
               </a:ext>
             </a:extLst>
           </p:cNvPr>
@@ -9829,8 +11398,8 @@
         </p:nvSpPr>
         <p:spPr>
           <a:xfrm>
-            <a:off x="6865089" y="317174"/>
-            <a:ext cx="5408853" cy="738664"/>
+            <a:off x="7179212" y="5727542"/>
+            <a:ext cx="4759636" cy="954107"/>
           </a:xfrm>
           <a:prstGeom prst="rect">
             <a:avLst/>
@@ -9849,7 +11418,7 @@
             </a:r>
             <a:r>
               <a:rPr lang="ko-KR" altLang="en-US" sz="1400" dirty="0"/>
-              <a:t>여행형태별 한국 여행 목적</a:t>
+              <a:t>연령별 한국 여행 목적</a:t>
             </a:r>
             <a:endParaRPr lang="en-US" altLang="ko-KR" sz="1400" dirty="0"/>
           </a:p>
@@ -9859,60 +11428,80 @@
               <a:t>	- </a:t>
             </a:r>
             <a:r>
-              <a:rPr lang="ko-KR" altLang="en-US" sz="1400" dirty="0" err="1"/>
-              <a:t>직장인센티브여행</a:t>
-            </a:r>
-            <a:r>
-              <a:rPr lang="ko-KR" altLang="en-US" sz="1400" dirty="0"/>
-              <a:t> 비율이 높은 </a:t>
+              <a:rPr lang="ko-KR" altLang="en-US" sz="1400" dirty="0"/>
+              <a:t>쇼핑이 비교적 높은 </a:t>
             </a:r>
             <a:r>
               <a:rPr lang="en-US" altLang="ko-KR" sz="1400" dirty="0"/>
               <a:t>‘</a:t>
             </a:r>
             <a:r>
-              <a:rPr lang="ko-KR" altLang="en-US" sz="1400" dirty="0" err="1"/>
-              <a:t>완전패키지여행</a:t>
-            </a:r>
-            <a:r>
-              <a:rPr lang="ko-KR" altLang="en-US" sz="1400" dirty="0"/>
+              <a:rPr lang="ko-KR" altLang="en-US" sz="1400" dirty="0"/>
+              <a:t>외국 </a:t>
+            </a:r>
+            <a:r>
+              <a:rPr lang="en-US" altLang="ko-KR" sz="1400" dirty="0"/>
+              <a:t>15~50</a:t>
+            </a:r>
+            <a:r>
+              <a:rPr lang="ko-KR" altLang="en-US" sz="1400" dirty="0"/>
+              <a:t>세</a:t>
+            </a:r>
+            <a:r>
+              <a:rPr lang="en-US" altLang="ko-KR" sz="1400" dirty="0"/>
+              <a:t>’</a:t>
+            </a:r>
+          </a:p>
+          <a:p>
+            <a:r>
+              <a:rPr lang="en-US" altLang="ko-KR" sz="1400" dirty="0"/>
+              <a:t>	- </a:t>
+            </a:r>
+            <a:r>
+              <a:rPr lang="ko-KR" altLang="en-US" sz="1400" dirty="0"/>
+              <a:t>학술</a:t>
+            </a:r>
+            <a:r>
+              <a:rPr lang="en-US" altLang="ko-KR" sz="1400" dirty="0"/>
+              <a:t>, </a:t>
+            </a:r>
+            <a:r>
+              <a:rPr lang="ko-KR" altLang="en-US" sz="1400" dirty="0"/>
+              <a:t>세미나 활동이 비교적 높은 </a:t>
+            </a:r>
+            <a:r>
+              <a:rPr lang="en-US" altLang="ko-KR" sz="1400" dirty="0"/>
               <a:t>‘</a:t>
             </a:r>
-            <a:endParaRPr lang="en-US" altLang="ko-KR" sz="1400" dirty="0"/>
-          </a:p>
-          <a:p>
-            <a:r>
-              <a:rPr lang="en-US" altLang="ko-KR" sz="1400" dirty="0"/>
-              <a:t>	- </a:t>
-            </a:r>
-            <a:r>
-              <a:rPr lang="ko-KR" altLang="en-US" sz="1400" dirty="0"/>
-              <a:t>쇼핑 비율이 높은 </a:t>
-            </a:r>
-            <a:r>
-              <a:rPr lang="en-US" altLang="ko-KR" sz="1400" dirty="0"/>
-              <a:t>‘</a:t>
-            </a:r>
-            <a:r>
-              <a:rPr lang="ko-KR" altLang="en-US" sz="1400" dirty="0"/>
-              <a:t>외국인의 개별여행</a:t>
-            </a:r>
-            <a:r>
-              <a:rPr lang="en-US" altLang="ko-KR" sz="1400" dirty="0"/>
-              <a:t>, </a:t>
-            </a:r>
-            <a:r>
-              <a:rPr lang="ko-KR" altLang="en-US" sz="1400" dirty="0"/>
-              <a:t>부분패키지＇</a:t>
-            </a:r>
-            <a:endParaRPr lang="en-US" altLang="ko-KR" sz="1400" dirty="0"/>
+            <a:r>
+              <a:rPr lang="ko-KR" altLang="en-US" sz="1400" dirty="0"/>
+              <a:t>내국 </a:t>
+            </a:r>
+            <a:r>
+              <a:rPr lang="en-US" altLang="ko-KR" sz="1400" dirty="0"/>
+              <a:t>31~’</a:t>
+            </a:r>
+          </a:p>
+          <a:p>
+            <a:r>
+              <a:rPr lang="en-US" altLang="ko-KR" sz="1400" dirty="0"/>
+              <a:t>				‘</a:t>
+            </a:r>
+            <a:r>
+              <a:rPr lang="ko-KR" altLang="en-US" sz="1400" dirty="0"/>
+              <a:t>외국 </a:t>
+            </a:r>
+            <a:r>
+              <a:rPr lang="en-US" altLang="ko-KR" sz="1400" dirty="0"/>
+              <a:t>51~’</a:t>
+            </a:r>
           </a:p>
         </p:txBody>
       </p:sp>
     </p:spTree>
     <p:extLst>
       <p:ext uri="{BB962C8B-B14F-4D97-AF65-F5344CB8AC3E}">
-        <p14:creationId xmlns:p14="http://schemas.microsoft.com/office/powerpoint/2010/main" val="556367047"/>
+        <p14:creationId xmlns:p14="http://schemas.microsoft.com/office/powerpoint/2010/main" val="1217037591"/>
       </p:ext>
     </p:extLst>
   </p:cSld>
